--- a/poster/Modelo_Banner-FACS-IA-2025.2.pptx
+++ b/poster/Modelo_Banner-FACS-IA-2025.2.pptx
@@ -425,7 +425,7 @@
             <a:fld id="{B34088D9-6F99-4774-8F18-D88D64460132}" type="datetimeFigureOut">
               <a:rPr lang="pt-BR" smtClean="0"/>
               <a:pPr/>
-              <a:t>18/11/2025</a:t>
+              <a:t>19/11/2025</a:t>
             </a:fld>
             <a:endParaRPr lang="pt-BR"/>
           </a:p>
@@ -640,7 +640,7 @@
             <a:fld id="{B34088D9-6F99-4774-8F18-D88D64460132}" type="datetimeFigureOut">
               <a:rPr lang="pt-BR" smtClean="0"/>
               <a:pPr/>
-              <a:t>18/11/2025</a:t>
+              <a:t>19/11/2025</a:t>
             </a:fld>
             <a:endParaRPr lang="pt-BR"/>
           </a:p>
@@ -1805,21 +1805,8 @@
                   <a:schemeClr val="tx1"/>
                 </a:solidFill>
               </a:rPr>
-              <a:t>) aferição das qualidades do modelo, levando em consideração fatores como precisão </a:t>
-            </a:r>
-            <a:r>
-              <a:rPr lang="pt-BR" sz="3000">
-                <a:solidFill>
-                  <a:schemeClr val="tx1"/>
-                </a:solidFill>
-              </a:rPr>
-              <a:t>e sensibilidade. </a:t>
-            </a:r>
-            <a:endParaRPr lang="pt-BR" sz="3000" dirty="0">
-              <a:solidFill>
-                <a:schemeClr val="tx1"/>
-              </a:solidFill>
-            </a:endParaRPr>
+              <a:t>) aferição das qualidades do modelo, levando em consideração fatores como precisão e sensibilidade. </a:t>
+            </a:r>
           </a:p>
           <a:p>
             <a:pPr algn="just">
@@ -4411,10 +4398,10 @@
       </p:pic>
       <p:pic>
         <p:nvPicPr>
-          <p:cNvPr id="14" name="Imagem 13">
+          <p:cNvPr id="18" name="Imagem 17">
             <a:extLst>
               <a:ext uri="{FF2B5EF4-FFF2-40B4-BE49-F238E27FC236}">
-                <a16:creationId xmlns:a16="http://schemas.microsoft.com/office/drawing/2014/main" id="{C3AD5643-00C1-0644-F25D-206D04B8054C}"/>
+                <a16:creationId xmlns:a16="http://schemas.microsoft.com/office/drawing/2014/main" id="{5B391E2B-9CEB-2EDC-14C4-6DB1450C26E2}"/>
               </a:ext>
             </a:extLst>
           </p:cNvPr>
@@ -4431,8 +4418,8 @@
         </p:blipFill>
         <p:spPr>
           <a:xfrm>
-            <a:off x="20026490" y="11627777"/>
-            <a:ext cx="5679433" cy="5443369"/>
+            <a:off x="17145016" y="18597114"/>
+            <a:ext cx="8717078" cy="7537141"/>
           </a:xfrm>
           <a:prstGeom prst="rect">
             <a:avLst/>
@@ -4441,10 +4428,10 @@
       </p:pic>
       <p:pic>
         <p:nvPicPr>
-          <p:cNvPr id="18" name="Imagem 17">
+          <p:cNvPr id="8" name="Imagem 7">
             <a:extLst>
               <a:ext uri="{FF2B5EF4-FFF2-40B4-BE49-F238E27FC236}">
-                <a16:creationId xmlns:a16="http://schemas.microsoft.com/office/drawing/2014/main" id="{5B391E2B-9CEB-2EDC-14C4-6DB1450C26E2}"/>
+                <a16:creationId xmlns:a16="http://schemas.microsoft.com/office/drawing/2014/main" id="{D1C57ACE-018A-A386-57B3-8123449F9218}"/>
               </a:ext>
             </a:extLst>
           </p:cNvPr>
@@ -4461,8 +4448,8 @@
         </p:blipFill>
         <p:spPr>
           <a:xfrm>
-            <a:off x="17145016" y="18597114"/>
-            <a:ext cx="8717078" cy="7537141"/>
+            <a:off x="16878125" y="11815819"/>
+            <a:ext cx="2636267" cy="2514073"/>
           </a:xfrm>
           <a:prstGeom prst="rect">
             <a:avLst/>
@@ -4471,10 +4458,10 @@
       </p:pic>
       <p:pic>
         <p:nvPicPr>
-          <p:cNvPr id="20" name="Imagem 19">
+          <p:cNvPr id="12" name="Imagem 11">
             <a:extLst>
               <a:ext uri="{FF2B5EF4-FFF2-40B4-BE49-F238E27FC236}">
-                <a16:creationId xmlns:a16="http://schemas.microsoft.com/office/drawing/2014/main" id="{5B0904E6-2CB5-A083-3693-267D068D09F3}"/>
+                <a16:creationId xmlns:a16="http://schemas.microsoft.com/office/drawing/2014/main" id="{5A4CE893-9CD4-F7FE-B075-813F7EF22821}"/>
               </a:ext>
             </a:extLst>
           </p:cNvPr>
@@ -4491,8 +4478,8 @@
         </p:blipFill>
         <p:spPr>
           <a:xfrm>
-            <a:off x="19514393" y="27331081"/>
-            <a:ext cx="6703629" cy="5399421"/>
+            <a:off x="19909165" y="11372277"/>
+            <a:ext cx="6506243" cy="6215785"/>
           </a:xfrm>
           <a:prstGeom prst="rect">
             <a:avLst/>
@@ -4501,10 +4488,10 @@
       </p:pic>
       <p:pic>
         <p:nvPicPr>
-          <p:cNvPr id="22" name="Imagem 21">
+          <p:cNvPr id="16" name="Imagem 15">
             <a:extLst>
               <a:ext uri="{FF2B5EF4-FFF2-40B4-BE49-F238E27FC236}">
-                <a16:creationId xmlns:a16="http://schemas.microsoft.com/office/drawing/2014/main" id="{914BDCD9-310D-2334-850C-27836BB2B0A5}"/>
+                <a16:creationId xmlns:a16="http://schemas.microsoft.com/office/drawing/2014/main" id="{D3661822-4FE6-4F5E-91A5-A6CABDDC8627}"/>
               </a:ext>
             </a:extLst>
           </p:cNvPr>
@@ -4521,8 +4508,8 @@
         </p:blipFill>
         <p:spPr>
           <a:xfrm>
-            <a:off x="16523578" y="11795002"/>
-            <a:ext cx="3063842" cy="1888669"/>
+            <a:off x="19226361" y="27125030"/>
+            <a:ext cx="7452634" cy="5980673"/>
           </a:xfrm>
           <a:prstGeom prst="rect">
             <a:avLst/>

--- a/poster/Modelo_Banner-FACS-IA-2025.2.pptx
+++ b/poster/Modelo_Banner-FACS-IA-2025.2.pptx
@@ -425,7 +425,7 @@
             <a:fld id="{B34088D9-6F99-4774-8F18-D88D64460132}" type="datetimeFigureOut">
               <a:rPr lang="pt-BR" smtClean="0"/>
               <a:pPr/>
-              <a:t>19/11/2025</a:t>
+              <a:t>20/11/2025</a:t>
             </a:fld>
             <a:endParaRPr lang="pt-BR"/>
           </a:p>
@@ -640,7 +640,7 @@
             <a:fld id="{B34088D9-6F99-4774-8F18-D88D64460132}" type="datetimeFigureOut">
               <a:rPr lang="pt-BR" smtClean="0"/>
               <a:pPr/>
-              <a:t>19/11/2025</a:t>
+              <a:t>20/11/2025</a:t>
             </a:fld>
             <a:endParaRPr lang="pt-BR"/>
           </a:p>
@@ -1163,8 +1163,8 @@
         </p:nvSpPr>
         <p:spPr>
           <a:xfrm>
-            <a:off x="696254" y="10474898"/>
-            <a:ext cx="14785564" cy="27328326"/>
+            <a:off x="696254" y="9721380"/>
+            <a:ext cx="14785564" cy="28081844"/>
           </a:xfrm>
           <a:ln>
             <a:noFill/>
@@ -1182,14 +1182,14 @@
               </a:spcBef>
             </a:pPr>
             <a:r>
-              <a:rPr lang="pt-BR" sz="6600" b="1" dirty="0">
+              <a:rPr lang="pt-BR" sz="5800" b="1" dirty="0">
                 <a:solidFill>
                   <a:schemeClr val="tx1"/>
                 </a:solidFill>
               </a:rPr>
               <a:t>INTRODUÇÃO</a:t>
             </a:r>
-            <a:endParaRPr lang="pt-BR" sz="7500" b="1" dirty="0">
+            <a:endParaRPr lang="pt-BR" sz="5800" dirty="0">
               <a:solidFill>
                 <a:schemeClr val="tx1"/>
               </a:solidFill>
@@ -1207,7 +1207,7 @@
                   <a:schemeClr val="tx1"/>
                 </a:solidFill>
               </a:rPr>
-              <a:t>Trata-se de entrega constante do projeto da terceira avaliação (A3), no âmbito da unidade curricular (UC) de Inteligência Artificial, na Universidade Salvador (UNIFACS), segundo semestre de 2025 (2025.2), ministrada pelo professor Adailton de Jesus Cerqueira Junior.</a:t>
+              <a:t>Como desafio, a equipe decidiu explorar sobre aprendizado de máquina com o uso de redes neurais, propondo-se a treinar um modelo que, dado certos atributos de uma transação com cartão de crédito, fosse feita uma previsão sobre a possível ocorrência de fraude ou não. </a:t>
             </a:r>
           </a:p>
           <a:p>
@@ -1221,50 +1221,239 @@
                 <a:solidFill>
                   <a:schemeClr val="tx1"/>
                 </a:solidFill>
-                <a:ea typeface="Calibri"/>
-                <a:cs typeface="Calibri"/>
-              </a:rPr>
-              <a:t>O projeto consiste em aplicar uma das técnicas de inteligência artificial – redes neurais, lógica </a:t>
-            </a:r>
-            <a:r>
-              <a:rPr lang="pt-BR" sz="3000" dirty="0" err="1">
-                <a:solidFill>
-                  <a:schemeClr val="tx1"/>
-                </a:solidFill>
-                <a:ea typeface="Calibri"/>
-                <a:cs typeface="Calibri"/>
-              </a:rPr>
-              <a:t>fuzzy</a:t>
+              </a:rPr>
+              <a:t>Sabe-se que instituições financeiras e bancos já utilizam alguns sistemas para fornecer mais segurança aos seus clientes e, imagina-se, que alguns até utilizem técnicas parecidas com as estudadas neste trabalho, dada a situação de insegurança no país sobre o tema</a:t>
+            </a:r>
+            <a:r>
+              <a:rPr lang="pt-BR" sz="3000" baseline="30000" dirty="0">
+                <a:solidFill>
+                  <a:schemeClr val="tx1"/>
+                </a:solidFill>
+              </a:rPr>
+              <a:t>1</a:t>
             </a:r>
             <a:r>
               <a:rPr lang="pt-BR" sz="3000" dirty="0">
                 <a:solidFill>
                   <a:schemeClr val="tx1"/>
                 </a:solidFill>
-                <a:ea typeface="Calibri"/>
-                <a:cs typeface="Calibri"/>
-              </a:rPr>
-              <a:t>, algoritmos de busca, </a:t>
+              </a:rPr>
+              <a:t>.</a:t>
+            </a:r>
+          </a:p>
+          <a:p>
+            <a:pPr algn="just">
+              <a:spcBef>
+                <a:spcPts val="0"/>
+              </a:spcBef>
+            </a:pPr>
+            <a:r>
+              <a:rPr lang="pt-BR" sz="3000" dirty="0">
+                <a:solidFill>
+                  <a:schemeClr val="tx1"/>
+                </a:solidFill>
+              </a:rPr>
+              <a:t>Para realização do trabalho, foi utilizado um </a:t>
             </a:r>
             <a:r>
               <a:rPr lang="pt-BR" sz="3000" i="1" dirty="0" err="1">
                 <a:solidFill>
                   <a:schemeClr val="tx1"/>
                 </a:solidFill>
-                <a:ea typeface="Calibri"/>
-                <a:cs typeface="Calibri"/>
-              </a:rPr>
-              <a:t>etc</a:t>
+              </a:rPr>
+              <a:t>dataset</a:t>
             </a:r>
             <a:r>
               <a:rPr lang="pt-BR" sz="3000" dirty="0">
                 <a:solidFill>
                   <a:schemeClr val="tx1"/>
                 </a:solidFill>
-                <a:ea typeface="Calibri"/>
-                <a:cs typeface="Calibri"/>
-              </a:rPr>
-              <a:t> – , aprendida ao longo do semestre na UC, sobre um desafio ou tema específico, de livre escolha pela equipe e aprovado pelo professor.</a:t>
+              </a:rPr>
+              <a:t> disponível no </a:t>
+            </a:r>
+            <a:r>
+              <a:rPr lang="pt-BR" sz="3000" i="1" dirty="0">
+                <a:solidFill>
+                  <a:schemeClr val="tx1"/>
+                </a:solidFill>
+              </a:rPr>
+              <a:t>website</a:t>
+            </a:r>
+            <a:r>
+              <a:rPr lang="pt-BR" sz="3000" dirty="0">
+                <a:solidFill>
+                  <a:schemeClr val="tx1"/>
+                </a:solidFill>
+              </a:rPr>
+              <a:t> “Kaggle</a:t>
+            </a:r>
+            <a:r>
+              <a:rPr lang="pt-BR" sz="3000" baseline="30000" dirty="0">
+                <a:solidFill>
+                  <a:schemeClr val="tx1"/>
+                </a:solidFill>
+              </a:rPr>
+              <a:t>”2</a:t>
+            </a:r>
+            <a:r>
+              <a:rPr lang="pt-BR" sz="3000" dirty="0">
+                <a:solidFill>
+                  <a:schemeClr val="tx1"/>
+                </a:solidFill>
+              </a:rPr>
+              <a:t>, com um milhão de linhas de dados sobre transações variadas e variáveis previsoras como: </a:t>
+            </a:r>
+          </a:p>
+          <a:p>
+            <a:pPr marL="571500" indent="-571500" algn="just">
+              <a:spcBef>
+                <a:spcPts val="0"/>
+              </a:spcBef>
+              <a:buAutoNum type="romanLcParenR"/>
+            </a:pPr>
+            <a:r>
+              <a:rPr lang="pt-BR" sz="2800" dirty="0">
+                <a:solidFill>
+                  <a:schemeClr val="tx1"/>
+                </a:solidFill>
+              </a:rPr>
+              <a:t>“distância entre o local da transação e a casa do possuidor do cartão”; </a:t>
+            </a:r>
+          </a:p>
+          <a:p>
+            <a:pPr marL="571500" indent="-571500" algn="just">
+              <a:spcBef>
+                <a:spcPts val="0"/>
+              </a:spcBef>
+              <a:buAutoNum type="romanLcParenR"/>
+            </a:pPr>
+            <a:r>
+              <a:rPr lang="pt-BR" sz="2800" dirty="0">
+                <a:solidFill>
+                  <a:schemeClr val="tx1"/>
+                </a:solidFill>
+              </a:rPr>
+              <a:t> “distância entre a transação atual e a última transação”;  </a:t>
+            </a:r>
+          </a:p>
+          <a:p>
+            <a:pPr marL="571500" indent="-571500" algn="just">
+              <a:spcBef>
+                <a:spcPts val="0"/>
+              </a:spcBef>
+              <a:buAutoNum type="romanLcParenR"/>
+            </a:pPr>
+            <a:r>
+              <a:rPr lang="pt-BR" sz="2800" dirty="0">
+                <a:solidFill>
+                  <a:schemeClr val="tx1"/>
+                </a:solidFill>
+              </a:rPr>
+              <a:t>“razão entre o preço da atual transação para a média de transações”; </a:t>
+            </a:r>
+          </a:p>
+          <a:p>
+            <a:pPr marL="571500" indent="-571500" algn="just">
+              <a:spcBef>
+                <a:spcPts val="0"/>
+              </a:spcBef>
+              <a:buAutoNum type="romanLcParenR"/>
+            </a:pPr>
+            <a:r>
+              <a:rPr lang="pt-BR" sz="2800" dirty="0">
+                <a:solidFill>
+                  <a:schemeClr val="tx1"/>
+                </a:solidFill>
+              </a:rPr>
+              <a:t>“se a transação atual foi realizada junto ao mesmo vendedor da anterior”; </a:t>
+            </a:r>
+          </a:p>
+          <a:p>
+            <a:pPr marL="571500" indent="-571500" algn="just">
+              <a:spcBef>
+                <a:spcPts val="0"/>
+              </a:spcBef>
+              <a:buAutoNum type="romanLcParenR"/>
+            </a:pPr>
+            <a:r>
+              <a:rPr lang="pt-BR" sz="2800" dirty="0">
+                <a:solidFill>
+                  <a:schemeClr val="tx1"/>
+                </a:solidFill>
+              </a:rPr>
+              <a:t>“se a transação atual utilizou o </a:t>
+            </a:r>
+            <a:r>
+              <a:rPr lang="pt-BR" sz="2800" i="1" dirty="0">
+                <a:solidFill>
+                  <a:schemeClr val="tx1"/>
+                </a:solidFill>
+              </a:rPr>
+              <a:t>chip </a:t>
+            </a:r>
+            <a:r>
+              <a:rPr lang="pt-BR" sz="2800" dirty="0">
+                <a:solidFill>
+                  <a:schemeClr val="tx1"/>
+                </a:solidFill>
+              </a:rPr>
+              <a:t>de segurança”; </a:t>
+            </a:r>
+          </a:p>
+          <a:p>
+            <a:pPr marL="571500" indent="-571500" algn="just">
+              <a:spcBef>
+                <a:spcPts val="0"/>
+              </a:spcBef>
+              <a:buAutoNum type="romanLcParenR"/>
+            </a:pPr>
+            <a:r>
+              <a:rPr lang="pt-BR" sz="2800" dirty="0">
+                <a:solidFill>
+                  <a:schemeClr val="tx1"/>
+                </a:solidFill>
+              </a:rPr>
+              <a:t>“se a transação utilizou um método de autenticação, como </a:t>
+            </a:r>
+            <a:r>
+              <a:rPr lang="pt-BR" sz="2800" i="1" dirty="0">
+                <a:solidFill>
+                  <a:schemeClr val="tx1"/>
+                </a:solidFill>
+              </a:rPr>
+              <a:t>pin </a:t>
+            </a:r>
+            <a:r>
+              <a:rPr lang="pt-BR" sz="2800" i="1" dirty="0" err="1">
+                <a:solidFill>
+                  <a:schemeClr val="tx1"/>
+                </a:solidFill>
+              </a:rPr>
+              <a:t>number</a:t>
+            </a:r>
+            <a:r>
+              <a:rPr lang="pt-BR" sz="2800" dirty="0">
+                <a:solidFill>
+                  <a:schemeClr val="tx1"/>
+                </a:solidFill>
+              </a:rPr>
+              <a:t> (senha)”; e</a:t>
+            </a:r>
+          </a:p>
+          <a:p>
+            <a:pPr marL="571500" indent="-571500" algn="just">
+              <a:spcBef>
+                <a:spcPts val="0"/>
+              </a:spcBef>
+              <a:buAutoNum type="romanLcParenR"/>
+            </a:pPr>
+            <a:r>
+              <a:rPr lang="pt-BR" sz="2800" dirty="0">
+                <a:solidFill>
+                  <a:schemeClr val="tx1"/>
+                </a:solidFill>
+              </a:rPr>
+              <a:t> “se a transação foi realizada de forma online”. Finalmente, há ainda uma variável meta, informando se aquela entrada é ou não uma transação em fraude.</a:t>
             </a:r>
           </a:p>
           <a:p>
@@ -1273,252 +1462,7 @@
                 <a:spcPts val="0"/>
               </a:spcBef>
             </a:pPr>
-            <a:endParaRPr lang="pt-BR" sz="3200" dirty="0">
-              <a:solidFill>
-                <a:schemeClr val="tx1"/>
-              </a:solidFill>
-            </a:endParaRPr>
-          </a:p>
-          <a:p>
-            <a:pPr algn="just">
-              <a:spcBef>
-                <a:spcPts val="0"/>
-              </a:spcBef>
-            </a:pPr>
-            <a:r>
-              <a:rPr lang="pt-BR" sz="6600" b="1" dirty="0">
-                <a:solidFill>
-                  <a:schemeClr val="tx1"/>
-                </a:solidFill>
-              </a:rPr>
-              <a:t>OBJETIVO</a:t>
-            </a:r>
-            <a:endParaRPr lang="pt-BR" sz="7500" b="1" dirty="0">
-              <a:solidFill>
-                <a:schemeClr val="tx1"/>
-              </a:solidFill>
-            </a:endParaRPr>
-          </a:p>
-          <a:p>
-            <a:pPr algn="just">
-              <a:spcBef>
-                <a:spcPts val="0"/>
-              </a:spcBef>
-            </a:pPr>
-            <a:r>
-              <a:rPr lang="pt-BR" sz="3000" dirty="0">
-                <a:solidFill>
-                  <a:schemeClr val="tx1"/>
-                </a:solidFill>
-              </a:rPr>
-              <a:t>Como desafio, a equipe decidiu explorar sobre aprendizado de máquina com o uso de redes neurais, propondo-se a treinar um modelo que, dado certos atributos de uma transação com cartão de crédito, fosse feita uma previsão sobre a possível ocorrência de fraude ou não naquela transação. </a:t>
-            </a:r>
-          </a:p>
-          <a:p>
-            <a:pPr algn="just">
-              <a:spcBef>
-                <a:spcPts val="0"/>
-              </a:spcBef>
-            </a:pPr>
-            <a:r>
-              <a:rPr lang="pt-BR" sz="3000" dirty="0">
-                <a:solidFill>
-                  <a:schemeClr val="tx1"/>
-                </a:solidFill>
-              </a:rPr>
-              <a:t>Sabe-se que instituições financeiras e bancos já utilizam alguns sistemas para fornecer mais segurança aos seus clientes e, imagina-se, que alguns até utilizem técnicas parecidas com as estudadas neste trabalho, dada a situação de insegurança no tema no país</a:t>
-            </a:r>
-            <a:r>
-              <a:rPr lang="pt-BR" sz="3000" baseline="30000" dirty="0">
-                <a:solidFill>
-                  <a:schemeClr val="tx1"/>
-                </a:solidFill>
-              </a:rPr>
-              <a:t>1</a:t>
-            </a:r>
-            <a:r>
-              <a:rPr lang="pt-BR" sz="3000" dirty="0">
-                <a:solidFill>
-                  <a:schemeClr val="tx1"/>
-                </a:solidFill>
-              </a:rPr>
-              <a:t>.</a:t>
-            </a:r>
-          </a:p>
-          <a:p>
-            <a:pPr algn="just">
-              <a:spcBef>
-                <a:spcPts val="0"/>
-              </a:spcBef>
-            </a:pPr>
-            <a:r>
-              <a:rPr lang="pt-BR" sz="3000" dirty="0">
-                <a:solidFill>
-                  <a:schemeClr val="tx1"/>
-                </a:solidFill>
-              </a:rPr>
-              <a:t>Para realização do trabalho, foi utilizado um </a:t>
-            </a:r>
-            <a:r>
-              <a:rPr lang="pt-BR" sz="3000" i="1" dirty="0" err="1">
-                <a:solidFill>
-                  <a:schemeClr val="tx1"/>
-                </a:solidFill>
-              </a:rPr>
-              <a:t>dataset</a:t>
-            </a:r>
-            <a:r>
-              <a:rPr lang="pt-BR" sz="3000" dirty="0">
-                <a:solidFill>
-                  <a:schemeClr val="tx1"/>
-                </a:solidFill>
-              </a:rPr>
-              <a:t> disponível no </a:t>
-            </a:r>
-            <a:r>
-              <a:rPr lang="pt-BR" sz="3000" i="1" dirty="0">
-                <a:solidFill>
-                  <a:schemeClr val="tx1"/>
-                </a:solidFill>
-              </a:rPr>
-              <a:t>website</a:t>
-            </a:r>
-            <a:r>
-              <a:rPr lang="pt-BR" sz="3000" dirty="0">
-                <a:solidFill>
-                  <a:schemeClr val="tx1"/>
-                </a:solidFill>
-              </a:rPr>
-              <a:t> “Kaggle</a:t>
-            </a:r>
-            <a:r>
-              <a:rPr lang="pt-BR" sz="3000" baseline="30000" dirty="0">
-                <a:solidFill>
-                  <a:schemeClr val="tx1"/>
-                </a:solidFill>
-              </a:rPr>
-              <a:t>”2</a:t>
-            </a:r>
-            <a:r>
-              <a:rPr lang="pt-BR" sz="3000" dirty="0">
-                <a:solidFill>
-                  <a:schemeClr val="tx1"/>
-                </a:solidFill>
-              </a:rPr>
-              <a:t>, contendo um milhão de linhas de dados sobre transações variadas, contendo variáveis previsoras como: i) “distância entre o local da transação e a casa do possuidor do cartão”; </a:t>
-            </a:r>
-            <a:r>
-              <a:rPr lang="pt-BR" sz="3000" dirty="0" err="1">
-                <a:solidFill>
-                  <a:schemeClr val="tx1"/>
-                </a:solidFill>
-              </a:rPr>
-              <a:t>ii</a:t>
-            </a:r>
-            <a:r>
-              <a:rPr lang="pt-BR" sz="3000" dirty="0">
-                <a:solidFill>
-                  <a:schemeClr val="tx1"/>
-                </a:solidFill>
-              </a:rPr>
-              <a:t>) “distância entre a transação atual e a última transação”; </a:t>
-            </a:r>
-            <a:r>
-              <a:rPr lang="pt-BR" sz="3000" dirty="0" err="1">
-                <a:solidFill>
-                  <a:schemeClr val="tx1"/>
-                </a:solidFill>
-              </a:rPr>
-              <a:t>iii</a:t>
-            </a:r>
-            <a:r>
-              <a:rPr lang="pt-BR" sz="3000" dirty="0">
-                <a:solidFill>
-                  <a:schemeClr val="tx1"/>
-                </a:solidFill>
-              </a:rPr>
-              <a:t>) “razão entre o preço da atual transação para a média de transações”; </a:t>
-            </a:r>
-            <a:r>
-              <a:rPr lang="pt-BR" sz="3000" dirty="0" err="1">
-                <a:solidFill>
-                  <a:schemeClr val="tx1"/>
-                </a:solidFill>
-              </a:rPr>
-              <a:t>iv</a:t>
-            </a:r>
-            <a:r>
-              <a:rPr lang="pt-BR" sz="3000" dirty="0">
-                <a:solidFill>
-                  <a:schemeClr val="tx1"/>
-                </a:solidFill>
-              </a:rPr>
-              <a:t>) “se a transação atual foi realizada junto ao mesmo vendedor da anterior”; v) “se a transação atual utilizou o </a:t>
-            </a:r>
-            <a:r>
-              <a:rPr lang="pt-BR" sz="3000" i="1" dirty="0">
-                <a:solidFill>
-                  <a:schemeClr val="tx1"/>
-                </a:solidFill>
-              </a:rPr>
-              <a:t>chip </a:t>
-            </a:r>
-            <a:r>
-              <a:rPr lang="pt-BR" sz="3000" dirty="0">
-                <a:solidFill>
-                  <a:schemeClr val="tx1"/>
-                </a:solidFill>
-              </a:rPr>
-              <a:t>de segurança”; vi) “se a transação utilizou um método de autenticação, como </a:t>
-            </a:r>
-            <a:r>
-              <a:rPr lang="pt-BR" sz="3000" i="1" dirty="0">
-                <a:solidFill>
-                  <a:schemeClr val="tx1"/>
-                </a:solidFill>
-              </a:rPr>
-              <a:t>pin </a:t>
-            </a:r>
-            <a:r>
-              <a:rPr lang="pt-BR" sz="3000" i="1" dirty="0" err="1">
-                <a:solidFill>
-                  <a:schemeClr val="tx1"/>
-                </a:solidFill>
-              </a:rPr>
-              <a:t>number</a:t>
-            </a:r>
-            <a:r>
-              <a:rPr lang="pt-BR" sz="3000" dirty="0">
-                <a:solidFill>
-                  <a:schemeClr val="tx1"/>
-                </a:solidFill>
-              </a:rPr>
-              <a:t> (senha)”; e </a:t>
-            </a:r>
-            <a:r>
-              <a:rPr lang="pt-BR" sz="3000" dirty="0" err="1">
-                <a:solidFill>
-                  <a:schemeClr val="tx1"/>
-                </a:solidFill>
-              </a:rPr>
-              <a:t>vii</a:t>
-            </a:r>
-            <a:r>
-              <a:rPr lang="pt-BR" sz="3000" dirty="0">
-                <a:solidFill>
-                  <a:schemeClr val="tx1"/>
-                </a:solidFill>
-              </a:rPr>
-              <a:t>) “se a transação foi realizada de forma online”. Finalmente, há ainda uma variável meta, informando se aquela entrada é ou não uma transação em fraude.</a:t>
-            </a:r>
-          </a:p>
-          <a:p>
-            <a:pPr algn="just">
-              <a:spcBef>
-                <a:spcPts val="0"/>
-              </a:spcBef>
-            </a:pPr>
-            <a:endParaRPr lang="pt-BR" sz="3200" b="1" dirty="0">
+            <a:endParaRPr lang="pt-BR" sz="3000" b="1" dirty="0">
               <a:solidFill>
                 <a:schemeClr val="accent1">
                   <a:lumMod val="75000"/>
@@ -1533,18 +1477,13 @@
               </a:spcBef>
             </a:pPr>
             <a:r>
-              <a:rPr lang="pt-BR" sz="6600" b="1" dirty="0">
-                <a:solidFill>
-                  <a:schemeClr val="tx1"/>
-                </a:solidFill>
-              </a:rPr>
-              <a:t>MÉTODOS</a:t>
-            </a:r>
-            <a:endParaRPr lang="pt-BR" sz="7500" b="1" dirty="0">
-              <a:solidFill>
-                <a:schemeClr val="tx1"/>
-              </a:solidFill>
-            </a:endParaRPr>
+              <a:rPr lang="pt-BR" sz="5800" b="1" dirty="0">
+                <a:solidFill>
+                  <a:schemeClr val="tx1"/>
+                </a:solidFill>
+              </a:rPr>
+              <a:t>METODOLOGIA</a:t>
+            </a:r>
           </a:p>
           <a:p>
             <a:pPr algn="just">
@@ -1574,7 +1513,7 @@
                   <a:schemeClr val="tx1"/>
                 </a:solidFill>
               </a:rPr>
-              <a:t> Notebooks</a:t>
+              <a:t> Notebooks. </a:t>
             </a:r>
             <a:r>
               <a:rPr lang="pt-BR" sz="3000" dirty="0">
@@ -1582,7 +1521,15 @@
                   <a:schemeClr val="tx1"/>
                 </a:solidFill>
               </a:rPr>
-              <a:t>, na maioria das vezes no ambiente </a:t>
+              <a:t>Foram utilizadas diversas técnicas no aprendizado de máquina com redes neurais, incluindo etapas como: análise de dados; pré-processamento e tratamento de dados; configuração da rede utilizando o classificador MLP (</a:t>
+            </a:r>
+            <a:r>
+              <a:rPr lang="pt-BR" sz="3000" i="1" dirty="0" err="1">
+                <a:solidFill>
+                  <a:schemeClr val="tx1"/>
+                </a:solidFill>
+              </a:rPr>
+              <a:t>Multi-layer</a:t>
             </a:r>
             <a:r>
               <a:rPr lang="pt-BR" sz="3000" i="1" dirty="0">
@@ -1590,7 +1537,15 @@
                   <a:schemeClr val="tx1"/>
                 </a:solidFill>
               </a:rPr>
-              <a:t>Colab</a:t>
+              <a:t> </a:t>
+            </a:r>
+            <a:r>
+              <a:rPr lang="pt-BR" sz="3000" i="1" dirty="0" err="1">
+                <a:solidFill>
+                  <a:schemeClr val="tx1"/>
+                </a:solidFill>
+              </a:rPr>
+              <a:t>Perceptron</a:t>
             </a:r>
             <a:r>
               <a:rPr lang="pt-BR" sz="3000" dirty="0">
@@ -1598,34 +1553,98 @@
                   <a:schemeClr val="tx1"/>
                 </a:solidFill>
               </a:rPr>
-              <a:t> do </a:t>
-            </a:r>
-            <a:r>
-              <a:rPr lang="pt-BR" sz="3000" i="1" dirty="0">
-                <a:solidFill>
-                  <a:schemeClr val="tx1"/>
-                </a:solidFill>
-              </a:rPr>
-              <a:t>Google</a:t>
-            </a:r>
-            <a:r>
-              <a:rPr lang="pt-BR" sz="3000" dirty="0">
-                <a:solidFill>
-                  <a:schemeClr val="tx1"/>
-                </a:solidFill>
-              </a:rPr>
-              <a:t>. Foram utilizadas diversas técnicas no aprendizado de máquina com redes neurais, incluindo etapas como: análise de dados; pré-processamento e tratamento de dados; configuração da rede utilizando MLP (</a:t>
-            </a:r>
-            <a:r>
-              <a:rPr lang="pt-BR" sz="3000" i="1" dirty="0" err="1">
-                <a:solidFill>
-                  <a:schemeClr val="tx1"/>
-                </a:solidFill>
-              </a:rPr>
-              <a:t>Multi-layer</a:t>
-            </a:r>
-            <a:r>
-              <a:rPr lang="pt-BR" sz="3000" i="1" dirty="0">
+              <a:t>). Dentre as etapas destacam-se: </a:t>
+            </a:r>
+          </a:p>
+          <a:p>
+            <a:pPr marL="571500" indent="-571500" algn="just">
+              <a:spcBef>
+                <a:spcPts val="0"/>
+              </a:spcBef>
+              <a:buAutoNum type="romanLcParenR"/>
+            </a:pPr>
+            <a:r>
+              <a:rPr lang="pt-BR" sz="2800" dirty="0">
+                <a:solidFill>
+                  <a:schemeClr val="tx1"/>
+                </a:solidFill>
+              </a:rPr>
+              <a:t>descrição e análise dos dados em estudo, inclusive do tipo de dado na entrada, e se existem dados em branco ou divergentes;</a:t>
+            </a:r>
+          </a:p>
+          <a:p>
+            <a:pPr marL="571500" indent="-571500" algn="just">
+              <a:spcBef>
+                <a:spcPts val="0"/>
+              </a:spcBef>
+              <a:buAutoNum type="romanLcParenR"/>
+            </a:pPr>
+            <a:r>
+              <a:rPr lang="pt-BR" sz="2800" dirty="0">
+                <a:solidFill>
+                  <a:schemeClr val="tx1"/>
+                </a:solidFill>
+              </a:rPr>
+              <a:t>verificação das correlações entre os dados apresentados, de forma a possibilitar a limpeza do </a:t>
+            </a:r>
+            <a:r>
+              <a:rPr lang="pt-BR" sz="2800" i="1" dirty="0" err="1">
+                <a:solidFill>
+                  <a:schemeClr val="tx1"/>
+                </a:solidFill>
+              </a:rPr>
+              <a:t>dataset</a:t>
+            </a:r>
+            <a:r>
+              <a:rPr lang="pt-BR" sz="2800" dirty="0">
+                <a:solidFill>
+                  <a:schemeClr val="tx1"/>
+                </a:solidFill>
+              </a:rPr>
+              <a:t> para manter apenas as informações mais pertinentes para a análise. Os resultados do estudo da correlação já tratadas são apresentados na matriz da </a:t>
+            </a:r>
+            <a:r>
+              <a:rPr lang="pt-BR" sz="2800" u="sng" dirty="0">
+                <a:solidFill>
+                  <a:schemeClr val="tx1"/>
+                </a:solidFill>
+              </a:rPr>
+              <a:t>figura 1 </a:t>
+            </a:r>
+            <a:r>
+              <a:rPr lang="pt-BR" sz="2800" dirty="0">
+                <a:solidFill>
+                  <a:schemeClr val="tx1"/>
+                </a:solidFill>
+              </a:rPr>
+              <a:t>ao lado, representando apenas as 4 variáveis previsoras com maior pertinência em relação à meta; </a:t>
+            </a:r>
+          </a:p>
+          <a:p>
+            <a:pPr marL="571500" indent="-571500" algn="just">
+              <a:spcBef>
+                <a:spcPts val="0"/>
+              </a:spcBef>
+              <a:buAutoNum type="romanLcParenR"/>
+            </a:pPr>
+            <a:r>
+              <a:rPr lang="pt-BR" sz="2800" dirty="0">
+                <a:solidFill>
+                  <a:schemeClr val="tx1"/>
+                </a:solidFill>
+              </a:rPr>
+              <a:t>definição de amostragem proporcional entre as ocorrências de fraude ou não, de forma a não introduzir viés no modelo. Esta etapa foi necessária porque o </a:t>
+            </a:r>
+            <a:r>
+              <a:rPr lang="pt-BR" sz="2800" i="1" dirty="0" err="1">
+                <a:solidFill>
+                  <a:schemeClr val="tx1"/>
+                </a:solidFill>
+              </a:rPr>
+              <a:t>dataset</a:t>
+            </a:r>
+            <a:r>
+              <a:rPr lang="pt-BR" sz="2800" i="1" dirty="0">
                 <a:solidFill>
                   <a:schemeClr val="tx1"/>
                 </a:solidFill>
@@ -1633,118 +1652,31 @@
               <a:t> </a:t>
             </a:r>
             <a:r>
-              <a:rPr lang="pt-BR" sz="3000" i="1" dirty="0" err="1">
-                <a:solidFill>
-                  <a:schemeClr val="tx1"/>
-                </a:solidFill>
-              </a:rPr>
-              <a:t>Perceptron</a:t>
-            </a:r>
-            <a:r>
-              <a:rPr lang="pt-BR" sz="3000" i="1" dirty="0">
-                <a:solidFill>
-                  <a:schemeClr val="tx1"/>
-                </a:solidFill>
-              </a:rPr>
-              <a:t> </a:t>
-            </a:r>
-            <a:r>
-              <a:rPr lang="pt-BR" sz="3000" i="1" dirty="0" err="1">
-                <a:solidFill>
-                  <a:schemeClr val="tx1"/>
-                </a:solidFill>
-              </a:rPr>
-              <a:t>classifier</a:t>
-            </a:r>
-            <a:r>
-              <a:rPr lang="pt-BR" sz="3000" dirty="0">
-                <a:solidFill>
-                  <a:schemeClr val="tx1"/>
-                </a:solidFill>
-              </a:rPr>
-              <a:t>).</a:t>
-            </a:r>
-          </a:p>
-          <a:p>
-            <a:pPr algn="just">
-              <a:spcBef>
-                <a:spcPts val="0"/>
-              </a:spcBef>
-            </a:pPr>
-            <a:r>
-              <a:rPr lang="pt-BR" sz="3000" dirty="0">
-                <a:solidFill>
-                  <a:schemeClr val="tx1"/>
-                </a:solidFill>
-              </a:rPr>
-              <a:t>Dentre as etapas destacam-se: i) descrição e análise dos dados em estudo, inclusive do tipo de dado na entrada, e se existem dados em branco ou divergentes; </a:t>
-            </a:r>
-            <a:r>
-              <a:rPr lang="pt-BR" sz="3000" dirty="0" err="1">
-                <a:solidFill>
-                  <a:schemeClr val="tx1"/>
-                </a:solidFill>
-              </a:rPr>
-              <a:t>ii</a:t>
-            </a:r>
-            <a:r>
-              <a:rPr lang="pt-BR" sz="3000" dirty="0">
-                <a:solidFill>
-                  <a:schemeClr val="tx1"/>
-                </a:solidFill>
-              </a:rPr>
-              <a:t>) verificação das correlações entre os dados apresentados, de forma a possibilitar a limpeza do </a:t>
-            </a:r>
-            <a:r>
-              <a:rPr lang="pt-BR" sz="3000" i="1" dirty="0" err="1">
-                <a:solidFill>
-                  <a:schemeClr val="tx1"/>
-                </a:solidFill>
-              </a:rPr>
-              <a:t>dataset</a:t>
-            </a:r>
-            <a:r>
-              <a:rPr lang="pt-BR" sz="3000" dirty="0">
-                <a:solidFill>
-                  <a:schemeClr val="tx1"/>
-                </a:solidFill>
-              </a:rPr>
-              <a:t> para manter apenas as informações mais pertinentes; </a:t>
-            </a:r>
-            <a:r>
-              <a:rPr lang="pt-BR" sz="3000" dirty="0" err="1">
-                <a:solidFill>
-                  <a:schemeClr val="tx1"/>
-                </a:solidFill>
-              </a:rPr>
-              <a:t>iii</a:t>
-            </a:r>
-            <a:r>
-              <a:rPr lang="pt-BR" sz="3000" dirty="0">
-                <a:solidFill>
-                  <a:schemeClr val="tx1"/>
-                </a:solidFill>
-              </a:rPr>
-              <a:t>) definição de amostragem proporcional entre as ocorrências de fraude ou não, de forma a não introduzir viés no modelo; </a:t>
-            </a:r>
-            <a:r>
-              <a:rPr lang="pt-BR" sz="3000" dirty="0" err="1">
-                <a:solidFill>
-                  <a:schemeClr val="tx1"/>
-                </a:solidFill>
-              </a:rPr>
-              <a:t>iv</a:t>
-            </a:r>
-            <a:r>
-              <a:rPr lang="pt-BR" sz="3000" dirty="0">
-                <a:solidFill>
-                  <a:schemeClr val="tx1"/>
-                </a:solidFill>
-              </a:rPr>
-              <a:t>) normalização da escala dos dados, de forma a não </a:t>
-            </a:r>
-            <a:r>
-              <a:rPr lang="pt-BR" sz="3000" dirty="0" err="1">
+              <a:rPr lang="pt-BR" sz="2800" dirty="0">
+                <a:solidFill>
+                  <a:schemeClr val="tx1"/>
+                </a:solidFill>
+              </a:rPr>
+              <a:t>analisado possuía, aproximadamente, 12 vezes mais ocorrências de não fraudes contra fraudes. No intuito de equilibrar o aprendizado, tornamos essa relação 1:1, utilizando 87.000 ocorrências de fraude e 87.000 sem fraude, totalizando 174.000 linhas de dados no treinamento; </a:t>
+            </a:r>
+          </a:p>
+          <a:p>
+            <a:pPr marL="571500" indent="-571500" algn="just">
+              <a:spcBef>
+                <a:spcPts val="0"/>
+              </a:spcBef>
+              <a:buAutoNum type="romanLcParenR"/>
+            </a:pPr>
+            <a:r>
+              <a:rPr lang="pt-BR" sz="2800" dirty="0">
+                <a:solidFill>
+                  <a:schemeClr val="tx1"/>
+                </a:solidFill>
+              </a:rPr>
+              <a:t>normalização dos dados, de forma a não </a:t>
+            </a:r>
+            <a:r>
+              <a:rPr lang="pt-BR" sz="2800" dirty="0" err="1">
                 <a:solidFill>
                   <a:schemeClr val="tx1"/>
                 </a:solidFill>
@@ -1752,60 +1684,140 @@
               <a:t>desbalancear</a:t>
             </a:r>
             <a:r>
-              <a:rPr lang="pt-BR" sz="3000" dirty="0">
-                <a:solidFill>
-                  <a:schemeClr val="tx1"/>
-                </a:solidFill>
-              </a:rPr>
-              <a:t> o treinamento; v) separação dos dados entre porção de treinamento (70% das ocorrências) e porção de teste dos resultados (30%); vi) definição da rede neural MLP com topologia bem definida, número máximo de iterações, método de ativação, método resolvedor otimizador, taxa de aprendizado e tolerância; </a:t>
-            </a:r>
-            <a:r>
-              <a:rPr lang="pt-BR" sz="3000" dirty="0" err="1">
-                <a:solidFill>
-                  <a:schemeClr val="tx1"/>
-                </a:solidFill>
-              </a:rPr>
-              <a:t>vii</a:t>
-            </a:r>
-            <a:r>
-              <a:rPr lang="pt-BR" sz="3000" dirty="0">
-                <a:solidFill>
-                  <a:schemeClr val="tx1"/>
-                </a:solidFill>
-              </a:rPr>
-              <a:t>) treinamento do modelo preditivo; </a:t>
-            </a:r>
-            <a:r>
-              <a:rPr lang="pt-BR" sz="3000" dirty="0" err="1">
-                <a:solidFill>
-                  <a:schemeClr val="tx1"/>
-                </a:solidFill>
-              </a:rPr>
-              <a:t>viii</a:t>
-            </a:r>
-            <a:r>
-              <a:rPr lang="pt-BR" sz="3000" dirty="0">
-                <a:solidFill>
-                  <a:schemeClr val="tx1"/>
-                </a:solidFill>
-              </a:rPr>
-              <a:t>) aplicação do modelo treinado preditivo a sobre a proporção restante dos dados (proporção dos testes); e </a:t>
-            </a:r>
-            <a:r>
-              <a:rPr lang="pt-BR" sz="3000" dirty="0" err="1">
-                <a:solidFill>
-                  <a:schemeClr val="tx1"/>
-                </a:solidFill>
-              </a:rPr>
-              <a:t>ix</a:t>
-            </a:r>
-            <a:r>
-              <a:rPr lang="pt-BR" sz="3000" dirty="0">
-                <a:solidFill>
-                  <a:schemeClr val="tx1"/>
-                </a:solidFill>
-              </a:rPr>
-              <a:t>) aferição das qualidades do modelo, levando em consideração fatores como precisão e sensibilidade. </a:t>
+              <a:rPr lang="pt-BR" sz="2800" dirty="0">
+                <a:solidFill>
+                  <a:schemeClr val="tx1"/>
+                </a:solidFill>
+              </a:rPr>
+              <a:t> o treinamento. Essa etapa é necessária porque alguns dados apresentam escala numérica bem mais ampla do que outras, por exemplo, “distância entre o local da transação e a casa do possuidor do cartão” x “utilização de </a:t>
+            </a:r>
+            <a:r>
+              <a:rPr lang="pt-BR" sz="2800" i="1" dirty="0">
+                <a:solidFill>
+                  <a:schemeClr val="tx1"/>
+                </a:solidFill>
+              </a:rPr>
+              <a:t>pin</a:t>
+            </a:r>
+            <a:r>
+              <a:rPr lang="pt-BR" sz="2800" dirty="0">
+                <a:solidFill>
+                  <a:schemeClr val="tx1"/>
+                </a:solidFill>
+              </a:rPr>
+              <a:t> (senha)”. Não utilizar esse passo traria muito mais peso para as variáveis previsores com escala ampla, distorcendo o resultado do aprendizado; </a:t>
+            </a:r>
+          </a:p>
+          <a:p>
+            <a:pPr marL="571500" indent="-571500" algn="just">
+              <a:spcBef>
+                <a:spcPts val="0"/>
+              </a:spcBef>
+              <a:buAutoNum type="romanLcParenR"/>
+            </a:pPr>
+            <a:r>
+              <a:rPr lang="pt-BR" sz="2800" dirty="0">
+                <a:solidFill>
+                  <a:schemeClr val="tx1"/>
+                </a:solidFill>
+              </a:rPr>
+              <a:t>separação dos dados entre porção de treinamento (70% das ocorrências) e porção de teste dos resultados (30%); </a:t>
+            </a:r>
+          </a:p>
+          <a:p>
+            <a:pPr marL="571500" indent="-571500" algn="just">
+              <a:spcBef>
+                <a:spcPts val="0"/>
+              </a:spcBef>
+              <a:buAutoNum type="romanLcParenR"/>
+            </a:pPr>
+            <a:r>
+              <a:rPr lang="pt-BR" sz="2800" dirty="0">
+                <a:solidFill>
+                  <a:schemeClr val="tx1"/>
+                </a:solidFill>
+              </a:rPr>
+              <a:t>definição da rede neural MLP com 6 camadas ocultas – de 5, 10, 20, 35, 10, 5 neurônios, respectivamente – , número máximo de 5000 iterações no treinamento, método de ativação “</a:t>
+            </a:r>
+            <a:r>
+              <a:rPr lang="pt-BR" sz="2800" dirty="0" err="1">
+                <a:solidFill>
+                  <a:schemeClr val="tx1"/>
+                </a:solidFill>
+              </a:rPr>
+              <a:t>reLU</a:t>
+            </a:r>
+            <a:r>
+              <a:rPr lang="pt-BR" sz="2800" dirty="0">
+                <a:solidFill>
+                  <a:schemeClr val="tx1"/>
+                </a:solidFill>
+              </a:rPr>
+              <a:t>”, resolvedor “adam”, taxa de aprendizado constante e tolerância de 1x10</a:t>
+            </a:r>
+            <a:r>
+              <a:rPr lang="pt-BR" sz="2800" baseline="30000" dirty="0">
+                <a:solidFill>
+                  <a:schemeClr val="tx1"/>
+                </a:solidFill>
+              </a:rPr>
+              <a:t>-5</a:t>
+            </a:r>
+            <a:r>
+              <a:rPr lang="pt-BR" sz="2800" dirty="0">
+                <a:solidFill>
+                  <a:schemeClr val="tx1"/>
+                </a:solidFill>
+              </a:rPr>
+              <a:t> ;</a:t>
+            </a:r>
+          </a:p>
+          <a:p>
+            <a:pPr marL="571500" indent="-571500" algn="just">
+              <a:spcBef>
+                <a:spcPts val="0"/>
+              </a:spcBef>
+              <a:buAutoNum type="romanLcParenR"/>
+            </a:pPr>
+            <a:r>
+              <a:rPr lang="pt-BR" sz="2800" dirty="0">
+                <a:solidFill>
+                  <a:schemeClr val="tx1"/>
+                </a:solidFill>
+              </a:rPr>
+              <a:t>treinamento do modelo preditivo; </a:t>
+            </a:r>
+          </a:p>
+          <a:p>
+            <a:pPr marL="571500" indent="-571500" algn="just">
+              <a:spcBef>
+                <a:spcPts val="0"/>
+              </a:spcBef>
+              <a:buAutoNum type="romanLcParenR"/>
+            </a:pPr>
+            <a:r>
+              <a:rPr lang="pt-BR" sz="2800" dirty="0">
+                <a:solidFill>
+                  <a:schemeClr val="tx1"/>
+                </a:solidFill>
+              </a:rPr>
+              <a:t>aplicação do modelo treinado preditivo a sobre a proporção restante dos dados (proporção dos testes); e </a:t>
+            </a:r>
+          </a:p>
+          <a:p>
+            <a:pPr marL="571500" indent="-571500" algn="just">
+              <a:spcBef>
+                <a:spcPts val="0"/>
+              </a:spcBef>
+              <a:buAutoNum type="romanLcParenR"/>
+            </a:pPr>
+            <a:r>
+              <a:rPr lang="pt-BR" sz="2800" dirty="0">
+                <a:solidFill>
+                  <a:schemeClr val="tx1"/>
+                </a:solidFill>
+              </a:rPr>
+              <a:t>aferição das qualidades do modelo, levando em consideração fatores como precisão e sensibilidade. </a:t>
             </a:r>
           </a:p>
           <a:p>
@@ -1827,18 +1839,13 @@
               </a:spcBef>
             </a:pPr>
             <a:r>
-              <a:rPr lang="pt-BR" sz="6600" b="1" dirty="0">
+              <a:rPr lang="pt-BR" sz="5800" b="1" dirty="0">
                 <a:solidFill>
                   <a:schemeClr val="tx1"/>
                 </a:solidFill>
               </a:rPr>
               <a:t>RESULTADOS</a:t>
             </a:r>
-            <a:endParaRPr lang="pt-BR" sz="7500" b="1" dirty="0">
-              <a:solidFill>
-                <a:schemeClr val="tx1"/>
-              </a:solidFill>
-            </a:endParaRPr>
           </a:p>
           <a:p>
             <a:pPr algn="just">
@@ -1847,12 +1854,20 @@
               </a:spcBef>
             </a:pPr>
             <a:r>
+              <a:rPr lang="pt-BR" sz="3000" dirty="0">
+                <a:solidFill>
+                  <a:schemeClr val="tx1"/>
+                </a:solidFill>
+              </a:rPr>
+              <a:t>Depois de diversos treinamentos, chegamos a um resultado final de 93,54% de precisão nos casos meta de inocorrência de fraudes (false-false) e de 97,19% de precisão para os casos meta de verdadeiros positivos (</a:t>
+            </a:r>
+            <a:r>
               <a:rPr lang="pt-BR" sz="3000" dirty="0" err="1">
                 <a:solidFill>
                   <a:schemeClr val="tx1"/>
                 </a:solidFill>
               </a:rPr>
-              <a:t>Lorem</a:t>
+              <a:t>true-true</a:t>
             </a:r>
             <a:r>
               <a:rPr lang="pt-BR" sz="3000" dirty="0">
@@ -1860,7 +1875,39 @@
                   <a:schemeClr val="tx1"/>
                 </a:solidFill>
               </a:rPr>
-              <a:t> Ipsum </a:t>
+              <a:t>), conforme mapa de calor da </a:t>
+            </a:r>
+            <a:r>
+              <a:rPr lang="pt-BR" sz="3000" u="sng" dirty="0">
+                <a:solidFill>
+                  <a:schemeClr val="tx1"/>
+                </a:solidFill>
+              </a:rPr>
+              <a:t>figura 2</a:t>
+            </a:r>
+            <a:r>
+              <a:rPr lang="pt-BR" sz="3000" dirty="0">
+                <a:solidFill>
+                  <a:schemeClr val="tx1"/>
+                </a:solidFill>
+              </a:rPr>
+              <a:t> ao lado. Além disso, nosso treinamento apresentou uma métrica de </a:t>
+            </a:r>
+            <a:r>
+              <a:rPr lang="pt-BR" sz="3000" i="1" dirty="0">
+                <a:solidFill>
+                  <a:schemeClr val="tx1"/>
+                </a:solidFill>
+              </a:rPr>
+              <a:t>recall</a:t>
+            </a:r>
+            <a:r>
+              <a:rPr lang="pt-BR" sz="3000" dirty="0">
+                <a:solidFill>
+                  <a:schemeClr val="tx1"/>
+                </a:solidFill>
+              </a:rPr>
+              <a:t> (</a:t>
             </a:r>
             <a:r>
               <a:rPr lang="pt-BR" sz="3000" dirty="0" err="1">
@@ -1868,7 +1915,7 @@
                   <a:schemeClr val="tx1"/>
                 </a:solidFill>
               </a:rPr>
-              <a:t>is</a:t>
+              <a:t>revocação</a:t>
             </a:r>
             <a:r>
               <a:rPr lang="pt-BR" sz="3000" dirty="0">
@@ -1876,15 +1923,15 @@
                   <a:schemeClr val="tx1"/>
                 </a:solidFill>
               </a:rPr>
-              <a:t> </a:t>
-            </a:r>
-            <a:r>
-              <a:rPr lang="pt-BR" sz="3000" dirty="0" err="1">
-                <a:solidFill>
-                  <a:schemeClr val="tx1"/>
-                </a:solidFill>
-              </a:rPr>
-              <a:t>simply</a:t>
+              <a:t>) de 97% nos casos de incorrências de fraude e de 93% para os casos de ocorrência de fraude. Na métrica </a:t>
+            </a:r>
+            <a:r>
+              <a:rPr lang="pt-BR" sz="3000" i="1" dirty="0">
+                <a:solidFill>
+                  <a:schemeClr val="tx1"/>
+                </a:solidFill>
+              </a:rPr>
+              <a:t>f1-score</a:t>
             </a:r>
             <a:r>
               <a:rPr lang="pt-BR" sz="3000" dirty="0">
@@ -1892,1079 +1939,7 @@
                   <a:schemeClr val="tx1"/>
                 </a:solidFill>
               </a:rPr>
-              <a:t> </a:t>
-            </a:r>
-            <a:r>
-              <a:rPr lang="pt-BR" sz="3000" dirty="0" err="1">
-                <a:solidFill>
-                  <a:schemeClr val="tx1"/>
-                </a:solidFill>
-              </a:rPr>
-              <a:t>dummy</a:t>
-            </a:r>
-            <a:r>
-              <a:rPr lang="pt-BR" sz="3000" dirty="0">
-                <a:solidFill>
-                  <a:schemeClr val="tx1"/>
-                </a:solidFill>
-              </a:rPr>
-              <a:t> </a:t>
-            </a:r>
-            <a:r>
-              <a:rPr lang="pt-BR" sz="3000" dirty="0" err="1">
-                <a:solidFill>
-                  <a:schemeClr val="tx1"/>
-                </a:solidFill>
-              </a:rPr>
-              <a:t>text</a:t>
-            </a:r>
-            <a:r>
-              <a:rPr lang="pt-BR" sz="3000" dirty="0">
-                <a:solidFill>
-                  <a:schemeClr val="tx1"/>
-                </a:solidFill>
-              </a:rPr>
-              <a:t> </a:t>
-            </a:r>
-            <a:r>
-              <a:rPr lang="pt-BR" sz="3000" dirty="0" err="1">
-                <a:solidFill>
-                  <a:schemeClr val="tx1"/>
-                </a:solidFill>
-              </a:rPr>
-              <a:t>of</a:t>
-            </a:r>
-            <a:r>
-              <a:rPr lang="pt-BR" sz="3000" dirty="0">
-                <a:solidFill>
-                  <a:schemeClr val="tx1"/>
-                </a:solidFill>
-              </a:rPr>
-              <a:t> </a:t>
-            </a:r>
-            <a:r>
-              <a:rPr lang="pt-BR" sz="3000" dirty="0" err="1">
-                <a:solidFill>
-                  <a:schemeClr val="tx1"/>
-                </a:solidFill>
-              </a:rPr>
-              <a:t>the</a:t>
-            </a:r>
-            <a:r>
-              <a:rPr lang="pt-BR" sz="3000" dirty="0">
-                <a:solidFill>
-                  <a:schemeClr val="tx1"/>
-                </a:solidFill>
-              </a:rPr>
-              <a:t> </a:t>
-            </a:r>
-            <a:r>
-              <a:rPr lang="pt-BR" sz="3000" dirty="0" err="1">
-                <a:solidFill>
-                  <a:schemeClr val="tx1"/>
-                </a:solidFill>
-              </a:rPr>
-              <a:t>printing</a:t>
-            </a:r>
-            <a:r>
-              <a:rPr lang="pt-BR" sz="3000" dirty="0">
-                <a:solidFill>
-                  <a:schemeClr val="tx1"/>
-                </a:solidFill>
-              </a:rPr>
-              <a:t> </a:t>
-            </a:r>
-            <a:r>
-              <a:rPr lang="pt-BR" sz="3000" dirty="0" err="1">
-                <a:solidFill>
-                  <a:schemeClr val="tx1"/>
-                </a:solidFill>
-              </a:rPr>
-              <a:t>and</a:t>
-            </a:r>
-            <a:r>
-              <a:rPr lang="pt-BR" sz="3000" dirty="0">
-                <a:solidFill>
-                  <a:schemeClr val="tx1"/>
-                </a:solidFill>
-              </a:rPr>
-              <a:t> </a:t>
-            </a:r>
-            <a:r>
-              <a:rPr lang="pt-BR" sz="3000" dirty="0" err="1">
-                <a:solidFill>
-                  <a:schemeClr val="tx1"/>
-                </a:solidFill>
-              </a:rPr>
-              <a:t>typesetting</a:t>
-            </a:r>
-            <a:r>
-              <a:rPr lang="pt-BR" sz="3000" dirty="0">
-                <a:solidFill>
-                  <a:schemeClr val="tx1"/>
-                </a:solidFill>
-              </a:rPr>
-              <a:t> </a:t>
-            </a:r>
-            <a:r>
-              <a:rPr lang="pt-BR" sz="3000" dirty="0" err="1">
-                <a:solidFill>
-                  <a:schemeClr val="tx1"/>
-                </a:solidFill>
-              </a:rPr>
-              <a:t>industry</a:t>
-            </a:r>
-            <a:r>
-              <a:rPr lang="pt-BR" sz="3000" dirty="0">
-                <a:solidFill>
-                  <a:schemeClr val="tx1"/>
-                </a:solidFill>
-              </a:rPr>
-              <a:t>. </a:t>
-            </a:r>
-            <a:r>
-              <a:rPr lang="pt-BR" sz="3000" dirty="0" err="1">
-                <a:solidFill>
-                  <a:schemeClr val="tx1"/>
-                </a:solidFill>
-              </a:rPr>
-              <a:t>Lorem</a:t>
-            </a:r>
-            <a:r>
-              <a:rPr lang="pt-BR" sz="3000" dirty="0">
-                <a:solidFill>
-                  <a:schemeClr val="tx1"/>
-                </a:solidFill>
-              </a:rPr>
-              <a:t> Ipsum </a:t>
-            </a:r>
-            <a:r>
-              <a:rPr lang="pt-BR" sz="3000" dirty="0" err="1">
-                <a:solidFill>
-                  <a:schemeClr val="tx1"/>
-                </a:solidFill>
-              </a:rPr>
-              <a:t>has</a:t>
-            </a:r>
-            <a:r>
-              <a:rPr lang="pt-BR" sz="3000" dirty="0">
-                <a:solidFill>
-                  <a:schemeClr val="tx1"/>
-                </a:solidFill>
-              </a:rPr>
-              <a:t> </a:t>
-            </a:r>
-            <a:r>
-              <a:rPr lang="pt-BR" sz="3000" dirty="0" err="1">
-                <a:solidFill>
-                  <a:schemeClr val="tx1"/>
-                </a:solidFill>
-              </a:rPr>
-              <a:t>been</a:t>
-            </a:r>
-            <a:r>
-              <a:rPr lang="pt-BR" sz="3000" dirty="0">
-                <a:solidFill>
-                  <a:schemeClr val="tx1"/>
-                </a:solidFill>
-              </a:rPr>
-              <a:t> </a:t>
-            </a:r>
-            <a:r>
-              <a:rPr lang="pt-BR" sz="3000" dirty="0" err="1">
-                <a:solidFill>
-                  <a:schemeClr val="tx1"/>
-                </a:solidFill>
-              </a:rPr>
-              <a:t>the</a:t>
-            </a:r>
-            <a:r>
-              <a:rPr lang="pt-BR" sz="3000" dirty="0">
-                <a:solidFill>
-                  <a:schemeClr val="tx1"/>
-                </a:solidFill>
-              </a:rPr>
-              <a:t> </a:t>
-            </a:r>
-            <a:r>
-              <a:rPr lang="pt-BR" sz="3000" dirty="0" err="1">
-                <a:solidFill>
-                  <a:schemeClr val="tx1"/>
-                </a:solidFill>
-              </a:rPr>
-              <a:t>industry's</a:t>
-            </a:r>
-            <a:r>
-              <a:rPr lang="pt-BR" sz="3000" dirty="0">
-                <a:solidFill>
-                  <a:schemeClr val="tx1"/>
-                </a:solidFill>
-              </a:rPr>
-              <a:t> standard </a:t>
-            </a:r>
-            <a:r>
-              <a:rPr lang="pt-BR" sz="3000" dirty="0" err="1">
-                <a:solidFill>
-                  <a:schemeClr val="tx1"/>
-                </a:solidFill>
-              </a:rPr>
-              <a:t>dummy</a:t>
-            </a:r>
-            <a:r>
-              <a:rPr lang="pt-BR" sz="3000" dirty="0">
-                <a:solidFill>
-                  <a:schemeClr val="tx1"/>
-                </a:solidFill>
-              </a:rPr>
-              <a:t> </a:t>
-            </a:r>
-            <a:r>
-              <a:rPr lang="pt-BR" sz="3000" dirty="0" err="1">
-                <a:solidFill>
-                  <a:schemeClr val="tx1"/>
-                </a:solidFill>
-              </a:rPr>
-              <a:t>text</a:t>
-            </a:r>
-            <a:r>
-              <a:rPr lang="pt-BR" sz="3000" dirty="0">
-                <a:solidFill>
-                  <a:schemeClr val="tx1"/>
-                </a:solidFill>
-              </a:rPr>
-              <a:t> </a:t>
-            </a:r>
-            <a:r>
-              <a:rPr lang="pt-BR" sz="3000" dirty="0" err="1">
-                <a:solidFill>
-                  <a:schemeClr val="tx1"/>
-                </a:solidFill>
-              </a:rPr>
-              <a:t>ever</a:t>
-            </a:r>
-            <a:r>
-              <a:rPr lang="pt-BR" sz="3000" dirty="0">
-                <a:solidFill>
-                  <a:schemeClr val="tx1"/>
-                </a:solidFill>
-              </a:rPr>
-              <a:t> </a:t>
-            </a:r>
-            <a:r>
-              <a:rPr lang="pt-BR" sz="3000" dirty="0" err="1">
-                <a:solidFill>
-                  <a:schemeClr val="tx1"/>
-                </a:solidFill>
-              </a:rPr>
-              <a:t>since</a:t>
-            </a:r>
-            <a:r>
-              <a:rPr lang="pt-BR" sz="3000" dirty="0">
-                <a:solidFill>
-                  <a:schemeClr val="tx1"/>
-                </a:solidFill>
-              </a:rPr>
-              <a:t> </a:t>
-            </a:r>
-            <a:r>
-              <a:rPr lang="pt-BR" sz="3000" dirty="0" err="1">
-                <a:solidFill>
-                  <a:schemeClr val="tx1"/>
-                </a:solidFill>
-              </a:rPr>
-              <a:t>the</a:t>
-            </a:r>
-            <a:r>
-              <a:rPr lang="pt-BR" sz="3000" dirty="0">
-                <a:solidFill>
-                  <a:schemeClr val="tx1"/>
-                </a:solidFill>
-              </a:rPr>
-              <a:t> 1500s, </a:t>
-            </a:r>
-            <a:r>
-              <a:rPr lang="pt-BR" sz="3000" dirty="0" err="1">
-                <a:solidFill>
-                  <a:schemeClr val="tx1"/>
-                </a:solidFill>
-              </a:rPr>
-              <a:t>when</a:t>
-            </a:r>
-            <a:r>
-              <a:rPr lang="pt-BR" sz="3000" dirty="0">
-                <a:solidFill>
-                  <a:schemeClr val="tx1"/>
-                </a:solidFill>
-              </a:rPr>
-              <a:t> </a:t>
-            </a:r>
-            <a:r>
-              <a:rPr lang="pt-BR" sz="3000" dirty="0" err="1">
-                <a:solidFill>
-                  <a:schemeClr val="tx1"/>
-                </a:solidFill>
-              </a:rPr>
-              <a:t>an</a:t>
-            </a:r>
-            <a:r>
-              <a:rPr lang="pt-BR" sz="3000" dirty="0">
-                <a:solidFill>
-                  <a:schemeClr val="tx1"/>
-                </a:solidFill>
-              </a:rPr>
-              <a:t> </a:t>
-            </a:r>
-            <a:r>
-              <a:rPr lang="pt-BR" sz="3000" dirty="0" err="1">
-                <a:solidFill>
-                  <a:schemeClr val="tx1"/>
-                </a:solidFill>
-              </a:rPr>
-              <a:t>unknown</a:t>
-            </a:r>
-            <a:r>
-              <a:rPr lang="pt-BR" sz="3000" dirty="0">
-                <a:solidFill>
-                  <a:schemeClr val="tx1"/>
-                </a:solidFill>
-              </a:rPr>
-              <a:t> </a:t>
-            </a:r>
-            <a:r>
-              <a:rPr lang="pt-BR" sz="3000" dirty="0" err="1">
-                <a:solidFill>
-                  <a:schemeClr val="tx1"/>
-                </a:solidFill>
-              </a:rPr>
-              <a:t>printer</a:t>
-            </a:r>
-            <a:r>
-              <a:rPr lang="pt-BR" sz="3000" dirty="0">
-                <a:solidFill>
-                  <a:schemeClr val="tx1"/>
-                </a:solidFill>
-              </a:rPr>
-              <a:t> </a:t>
-            </a:r>
-            <a:r>
-              <a:rPr lang="pt-BR" sz="3000" dirty="0" err="1">
-                <a:solidFill>
-                  <a:schemeClr val="tx1"/>
-                </a:solidFill>
-              </a:rPr>
-              <a:t>took</a:t>
-            </a:r>
-            <a:r>
-              <a:rPr lang="pt-BR" sz="3000" dirty="0">
-                <a:solidFill>
-                  <a:schemeClr val="tx1"/>
-                </a:solidFill>
-              </a:rPr>
-              <a:t> a </a:t>
-            </a:r>
-            <a:r>
-              <a:rPr lang="pt-BR" sz="3000" dirty="0" err="1">
-                <a:solidFill>
-                  <a:schemeClr val="tx1"/>
-                </a:solidFill>
-              </a:rPr>
-              <a:t>galley</a:t>
-            </a:r>
-            <a:r>
-              <a:rPr lang="pt-BR" sz="3000" dirty="0">
-                <a:solidFill>
-                  <a:schemeClr val="tx1"/>
-                </a:solidFill>
-              </a:rPr>
-              <a:t> </a:t>
-            </a:r>
-            <a:r>
-              <a:rPr lang="pt-BR" sz="3000" dirty="0" err="1">
-                <a:solidFill>
-                  <a:schemeClr val="tx1"/>
-                </a:solidFill>
-              </a:rPr>
-              <a:t>of</a:t>
-            </a:r>
-            <a:r>
-              <a:rPr lang="pt-BR" sz="3000" dirty="0">
-                <a:solidFill>
-                  <a:schemeClr val="tx1"/>
-                </a:solidFill>
-              </a:rPr>
-              <a:t> </a:t>
-            </a:r>
-            <a:r>
-              <a:rPr lang="pt-BR" sz="3000" dirty="0" err="1">
-                <a:solidFill>
-                  <a:schemeClr val="tx1"/>
-                </a:solidFill>
-              </a:rPr>
-              <a:t>type</a:t>
-            </a:r>
-            <a:r>
-              <a:rPr lang="pt-BR" sz="3000" dirty="0">
-                <a:solidFill>
-                  <a:schemeClr val="tx1"/>
-                </a:solidFill>
-              </a:rPr>
-              <a:t> </a:t>
-            </a:r>
-            <a:r>
-              <a:rPr lang="pt-BR" sz="3000" dirty="0" err="1">
-                <a:solidFill>
-                  <a:schemeClr val="tx1"/>
-                </a:solidFill>
-              </a:rPr>
-              <a:t>and</a:t>
-            </a:r>
-            <a:r>
-              <a:rPr lang="pt-BR" sz="3000" dirty="0">
-                <a:solidFill>
-                  <a:schemeClr val="tx1"/>
-                </a:solidFill>
-              </a:rPr>
-              <a:t> </a:t>
-            </a:r>
-            <a:r>
-              <a:rPr lang="pt-BR" sz="3000" dirty="0" err="1">
-                <a:solidFill>
-                  <a:schemeClr val="tx1"/>
-                </a:solidFill>
-              </a:rPr>
-              <a:t>scrambled</a:t>
-            </a:r>
-            <a:r>
-              <a:rPr lang="pt-BR" sz="3000" dirty="0">
-                <a:solidFill>
-                  <a:schemeClr val="tx1"/>
-                </a:solidFill>
-              </a:rPr>
-              <a:t> it </a:t>
-            </a:r>
-            <a:r>
-              <a:rPr lang="pt-BR" sz="3000" dirty="0" err="1">
-                <a:solidFill>
-                  <a:schemeClr val="tx1"/>
-                </a:solidFill>
-              </a:rPr>
-              <a:t>to</a:t>
-            </a:r>
-            <a:r>
-              <a:rPr lang="pt-BR" sz="3000" dirty="0">
-                <a:solidFill>
-                  <a:schemeClr val="tx1"/>
-                </a:solidFill>
-              </a:rPr>
-              <a:t> make a </a:t>
-            </a:r>
-            <a:r>
-              <a:rPr lang="pt-BR" sz="3000" dirty="0" err="1">
-                <a:solidFill>
-                  <a:schemeClr val="tx1"/>
-                </a:solidFill>
-              </a:rPr>
-              <a:t>type</a:t>
-            </a:r>
-            <a:r>
-              <a:rPr lang="pt-BR" sz="3000" dirty="0">
-                <a:solidFill>
-                  <a:schemeClr val="tx1"/>
-                </a:solidFill>
-              </a:rPr>
-              <a:t> </a:t>
-            </a:r>
-            <a:r>
-              <a:rPr lang="pt-BR" sz="3000" dirty="0" err="1">
-                <a:solidFill>
-                  <a:schemeClr val="tx1"/>
-                </a:solidFill>
-              </a:rPr>
-              <a:t>specimen</a:t>
-            </a:r>
-            <a:r>
-              <a:rPr lang="pt-BR" sz="3000" dirty="0">
-                <a:solidFill>
-                  <a:schemeClr val="tx1"/>
-                </a:solidFill>
-              </a:rPr>
-              <a:t> book. It </a:t>
-            </a:r>
-            <a:r>
-              <a:rPr lang="pt-BR" sz="3000" dirty="0" err="1">
-                <a:solidFill>
-                  <a:schemeClr val="tx1"/>
-                </a:solidFill>
-              </a:rPr>
-              <a:t>has</a:t>
-            </a:r>
-            <a:r>
-              <a:rPr lang="pt-BR" sz="3000" dirty="0">
-                <a:solidFill>
-                  <a:schemeClr val="tx1"/>
-                </a:solidFill>
-              </a:rPr>
-              <a:t> </a:t>
-            </a:r>
-            <a:r>
-              <a:rPr lang="pt-BR" sz="3000" dirty="0" err="1">
-                <a:solidFill>
-                  <a:schemeClr val="tx1"/>
-                </a:solidFill>
-              </a:rPr>
-              <a:t>survived</a:t>
-            </a:r>
-            <a:r>
-              <a:rPr lang="pt-BR" sz="3000" dirty="0">
-                <a:solidFill>
-                  <a:schemeClr val="tx1"/>
-                </a:solidFill>
-              </a:rPr>
-              <a:t> </a:t>
-            </a:r>
-            <a:r>
-              <a:rPr lang="pt-BR" sz="3000" dirty="0" err="1">
-                <a:solidFill>
-                  <a:schemeClr val="tx1"/>
-                </a:solidFill>
-              </a:rPr>
-              <a:t>not</a:t>
-            </a:r>
-            <a:r>
-              <a:rPr lang="pt-BR" sz="3000" dirty="0">
-                <a:solidFill>
-                  <a:schemeClr val="tx1"/>
-                </a:solidFill>
-              </a:rPr>
-              <a:t> </a:t>
-            </a:r>
-            <a:r>
-              <a:rPr lang="pt-BR" sz="3000" dirty="0" err="1">
-                <a:solidFill>
-                  <a:schemeClr val="tx1"/>
-                </a:solidFill>
-              </a:rPr>
-              <a:t>only</a:t>
-            </a:r>
-            <a:r>
-              <a:rPr lang="pt-BR" sz="3000" dirty="0">
-                <a:solidFill>
-                  <a:schemeClr val="tx1"/>
-                </a:solidFill>
-              </a:rPr>
-              <a:t> </a:t>
-            </a:r>
-            <a:r>
-              <a:rPr lang="pt-BR" sz="3000" dirty="0" err="1">
-                <a:solidFill>
-                  <a:schemeClr val="tx1"/>
-                </a:solidFill>
-              </a:rPr>
-              <a:t>five</a:t>
-            </a:r>
-            <a:r>
-              <a:rPr lang="pt-BR" sz="3000" dirty="0">
-                <a:solidFill>
-                  <a:schemeClr val="tx1"/>
-                </a:solidFill>
-              </a:rPr>
-              <a:t> </a:t>
-            </a:r>
-            <a:r>
-              <a:rPr lang="pt-BR" sz="3000" dirty="0" err="1">
-                <a:solidFill>
-                  <a:schemeClr val="tx1"/>
-                </a:solidFill>
-              </a:rPr>
-              <a:t>centuries</a:t>
-            </a:r>
-            <a:r>
-              <a:rPr lang="pt-BR" sz="3000" dirty="0">
-                <a:solidFill>
-                  <a:schemeClr val="tx1"/>
-                </a:solidFill>
-              </a:rPr>
-              <a:t>, </a:t>
-            </a:r>
-            <a:r>
-              <a:rPr lang="pt-BR" sz="3000" dirty="0" err="1">
-                <a:solidFill>
-                  <a:schemeClr val="tx1"/>
-                </a:solidFill>
-              </a:rPr>
-              <a:t>but</a:t>
-            </a:r>
-            <a:r>
-              <a:rPr lang="pt-BR" sz="3000" dirty="0">
-                <a:solidFill>
-                  <a:schemeClr val="tx1"/>
-                </a:solidFill>
-              </a:rPr>
-              <a:t> </a:t>
-            </a:r>
-            <a:r>
-              <a:rPr lang="pt-BR" sz="3000" dirty="0" err="1">
-                <a:solidFill>
-                  <a:schemeClr val="tx1"/>
-                </a:solidFill>
-              </a:rPr>
-              <a:t>also</a:t>
-            </a:r>
-            <a:r>
-              <a:rPr lang="pt-BR" sz="3000" dirty="0">
-                <a:solidFill>
-                  <a:schemeClr val="tx1"/>
-                </a:solidFill>
-              </a:rPr>
-              <a:t> </a:t>
-            </a:r>
-            <a:r>
-              <a:rPr lang="pt-BR" sz="3000" dirty="0" err="1">
-                <a:solidFill>
-                  <a:schemeClr val="tx1"/>
-                </a:solidFill>
-              </a:rPr>
-              <a:t>the</a:t>
-            </a:r>
-            <a:r>
-              <a:rPr lang="pt-BR" sz="3000" dirty="0">
-                <a:solidFill>
-                  <a:schemeClr val="tx1"/>
-                </a:solidFill>
-              </a:rPr>
-              <a:t> </a:t>
-            </a:r>
-            <a:r>
-              <a:rPr lang="pt-BR" sz="3000" dirty="0" err="1">
-                <a:solidFill>
-                  <a:schemeClr val="tx1"/>
-                </a:solidFill>
-              </a:rPr>
-              <a:t>leap</a:t>
-            </a:r>
-            <a:r>
-              <a:rPr lang="pt-BR" sz="3000" dirty="0">
-                <a:solidFill>
-                  <a:schemeClr val="tx1"/>
-                </a:solidFill>
-              </a:rPr>
-              <a:t> </a:t>
-            </a:r>
-            <a:r>
-              <a:rPr lang="pt-BR" sz="3000" dirty="0" err="1">
-                <a:solidFill>
-                  <a:schemeClr val="tx1"/>
-                </a:solidFill>
-              </a:rPr>
-              <a:t>into</a:t>
-            </a:r>
-            <a:r>
-              <a:rPr lang="pt-BR" sz="3000" dirty="0">
-                <a:solidFill>
-                  <a:schemeClr val="tx1"/>
-                </a:solidFill>
-              </a:rPr>
-              <a:t> </a:t>
-            </a:r>
-            <a:r>
-              <a:rPr lang="pt-BR" sz="3000" dirty="0" err="1">
-                <a:solidFill>
-                  <a:schemeClr val="tx1"/>
-                </a:solidFill>
-              </a:rPr>
-              <a:t>electronic</a:t>
-            </a:r>
-            <a:r>
-              <a:rPr lang="pt-BR" sz="3000" dirty="0">
-                <a:solidFill>
-                  <a:schemeClr val="tx1"/>
-                </a:solidFill>
-              </a:rPr>
-              <a:t> </a:t>
-            </a:r>
-            <a:r>
-              <a:rPr lang="pt-BR" sz="3000" dirty="0" err="1">
-                <a:solidFill>
-                  <a:schemeClr val="tx1"/>
-                </a:solidFill>
-              </a:rPr>
-              <a:t>typesetting</a:t>
-            </a:r>
-            <a:r>
-              <a:rPr lang="pt-BR" sz="3000" dirty="0">
-                <a:solidFill>
-                  <a:schemeClr val="tx1"/>
-                </a:solidFill>
-              </a:rPr>
-              <a:t>, </a:t>
-            </a:r>
-            <a:r>
-              <a:rPr lang="pt-BR" sz="3000" dirty="0" err="1">
-                <a:solidFill>
-                  <a:schemeClr val="tx1"/>
-                </a:solidFill>
-              </a:rPr>
-              <a:t>remaining</a:t>
-            </a:r>
-            <a:r>
-              <a:rPr lang="pt-BR" sz="3000" dirty="0">
-                <a:solidFill>
-                  <a:schemeClr val="tx1"/>
-                </a:solidFill>
-              </a:rPr>
-              <a:t> </a:t>
-            </a:r>
-            <a:r>
-              <a:rPr lang="pt-BR" sz="3000" dirty="0" err="1">
-                <a:solidFill>
-                  <a:schemeClr val="tx1"/>
-                </a:solidFill>
-              </a:rPr>
-              <a:t>essentially</a:t>
-            </a:r>
-            <a:r>
-              <a:rPr lang="pt-BR" sz="3000" dirty="0">
-                <a:solidFill>
-                  <a:schemeClr val="tx1"/>
-                </a:solidFill>
-              </a:rPr>
-              <a:t> </a:t>
-            </a:r>
-            <a:r>
-              <a:rPr lang="pt-BR" sz="3000" dirty="0" err="1">
-                <a:solidFill>
-                  <a:schemeClr val="tx1"/>
-                </a:solidFill>
-              </a:rPr>
-              <a:t>unchanged</a:t>
-            </a:r>
-            <a:r>
-              <a:rPr lang="pt-BR" sz="3000" dirty="0">
-                <a:solidFill>
-                  <a:schemeClr val="tx1"/>
-                </a:solidFill>
-              </a:rPr>
-              <a:t>. It </a:t>
-            </a:r>
-            <a:r>
-              <a:rPr lang="pt-BR" sz="3000" dirty="0" err="1">
-                <a:solidFill>
-                  <a:schemeClr val="tx1"/>
-                </a:solidFill>
-              </a:rPr>
-              <a:t>was</a:t>
-            </a:r>
-            <a:r>
-              <a:rPr lang="pt-BR" sz="3000" dirty="0">
-                <a:solidFill>
-                  <a:schemeClr val="tx1"/>
-                </a:solidFill>
-              </a:rPr>
-              <a:t> </a:t>
-            </a:r>
-            <a:r>
-              <a:rPr lang="pt-BR" sz="3000" dirty="0" err="1">
-                <a:solidFill>
-                  <a:schemeClr val="tx1"/>
-                </a:solidFill>
-              </a:rPr>
-              <a:t>popularised</a:t>
-            </a:r>
-            <a:r>
-              <a:rPr lang="pt-BR" sz="3000" dirty="0">
-                <a:solidFill>
-                  <a:schemeClr val="tx1"/>
-                </a:solidFill>
-              </a:rPr>
-              <a:t> in </a:t>
-            </a:r>
-            <a:r>
-              <a:rPr lang="pt-BR" sz="3000" dirty="0" err="1">
-                <a:solidFill>
-                  <a:schemeClr val="tx1"/>
-                </a:solidFill>
-              </a:rPr>
-              <a:t>the</a:t>
-            </a:r>
-            <a:r>
-              <a:rPr lang="pt-BR" sz="3000" dirty="0">
-                <a:solidFill>
-                  <a:schemeClr val="tx1"/>
-                </a:solidFill>
-              </a:rPr>
-              <a:t> 1960s </a:t>
-            </a:r>
-            <a:r>
-              <a:rPr lang="pt-BR" sz="3000" dirty="0" err="1">
-                <a:solidFill>
-                  <a:schemeClr val="tx1"/>
-                </a:solidFill>
-              </a:rPr>
-              <a:t>with</a:t>
-            </a:r>
-            <a:r>
-              <a:rPr lang="pt-BR" sz="3000" dirty="0">
-                <a:solidFill>
-                  <a:schemeClr val="tx1"/>
-                </a:solidFill>
-              </a:rPr>
-              <a:t> </a:t>
-            </a:r>
-            <a:r>
-              <a:rPr lang="pt-BR" sz="3000" dirty="0" err="1">
-                <a:solidFill>
-                  <a:schemeClr val="tx1"/>
-                </a:solidFill>
-              </a:rPr>
-              <a:t>the</a:t>
-            </a:r>
-            <a:r>
-              <a:rPr lang="pt-BR" sz="3000" dirty="0">
-                <a:solidFill>
-                  <a:schemeClr val="tx1"/>
-                </a:solidFill>
-              </a:rPr>
-              <a:t> release </a:t>
-            </a:r>
-            <a:r>
-              <a:rPr lang="pt-BR" sz="3000" dirty="0" err="1">
-                <a:solidFill>
-                  <a:schemeClr val="tx1"/>
-                </a:solidFill>
-              </a:rPr>
-              <a:t>of</a:t>
-            </a:r>
-            <a:r>
-              <a:rPr lang="pt-BR" sz="3000" dirty="0">
-                <a:solidFill>
-                  <a:schemeClr val="tx1"/>
-                </a:solidFill>
-              </a:rPr>
-              <a:t> </a:t>
-            </a:r>
-            <a:r>
-              <a:rPr lang="pt-BR" sz="3000" dirty="0" err="1">
-                <a:solidFill>
-                  <a:schemeClr val="tx1"/>
-                </a:solidFill>
-              </a:rPr>
-              <a:t>Letraset</a:t>
-            </a:r>
-            <a:r>
-              <a:rPr lang="pt-BR" sz="3000" dirty="0">
-                <a:solidFill>
-                  <a:schemeClr val="tx1"/>
-                </a:solidFill>
-              </a:rPr>
-              <a:t> </a:t>
-            </a:r>
-            <a:r>
-              <a:rPr lang="pt-BR" sz="3000" dirty="0" err="1">
-                <a:solidFill>
-                  <a:schemeClr val="tx1"/>
-                </a:solidFill>
-              </a:rPr>
-              <a:t>sheets</a:t>
-            </a:r>
-            <a:r>
-              <a:rPr lang="pt-BR" sz="3000" dirty="0">
-                <a:solidFill>
-                  <a:schemeClr val="tx1"/>
-                </a:solidFill>
-              </a:rPr>
-              <a:t> </a:t>
-            </a:r>
-            <a:r>
-              <a:rPr lang="pt-BR" sz="3000" dirty="0" err="1">
-                <a:solidFill>
-                  <a:schemeClr val="tx1"/>
-                </a:solidFill>
-              </a:rPr>
-              <a:t>containing</a:t>
-            </a:r>
-            <a:r>
-              <a:rPr lang="pt-BR" sz="3000" dirty="0">
-                <a:solidFill>
-                  <a:schemeClr val="tx1"/>
-                </a:solidFill>
-              </a:rPr>
-              <a:t> </a:t>
-            </a:r>
-            <a:r>
-              <a:rPr lang="pt-BR" sz="3000" dirty="0" err="1">
-                <a:solidFill>
-                  <a:schemeClr val="tx1"/>
-                </a:solidFill>
-              </a:rPr>
-              <a:t>Lorem</a:t>
-            </a:r>
-            <a:r>
-              <a:rPr lang="pt-BR" sz="3000" dirty="0">
-                <a:solidFill>
-                  <a:schemeClr val="tx1"/>
-                </a:solidFill>
-              </a:rPr>
-              <a:t> Ipsum </a:t>
-            </a:r>
-            <a:r>
-              <a:rPr lang="pt-BR" sz="3000" dirty="0" err="1">
-                <a:solidFill>
-                  <a:schemeClr val="tx1"/>
-                </a:solidFill>
-              </a:rPr>
-              <a:t>passages</a:t>
-            </a:r>
-            <a:r>
-              <a:rPr lang="pt-BR" sz="3000" dirty="0">
-                <a:solidFill>
-                  <a:schemeClr val="tx1"/>
-                </a:solidFill>
-              </a:rPr>
-              <a:t>, </a:t>
-            </a:r>
-            <a:r>
-              <a:rPr lang="pt-BR" sz="3000" dirty="0" err="1">
-                <a:solidFill>
-                  <a:schemeClr val="tx1"/>
-                </a:solidFill>
-              </a:rPr>
-              <a:t>and</a:t>
-            </a:r>
-            <a:r>
-              <a:rPr lang="pt-BR" sz="3000" dirty="0">
-                <a:solidFill>
-                  <a:schemeClr val="tx1"/>
-                </a:solidFill>
-              </a:rPr>
-              <a:t> more </a:t>
-            </a:r>
-            <a:r>
-              <a:rPr lang="pt-BR" sz="3000" dirty="0" err="1">
-                <a:solidFill>
-                  <a:schemeClr val="tx1"/>
-                </a:solidFill>
-              </a:rPr>
-              <a:t>recently</a:t>
-            </a:r>
-            <a:r>
-              <a:rPr lang="pt-BR" sz="3000" dirty="0">
-                <a:solidFill>
-                  <a:schemeClr val="tx1"/>
-                </a:solidFill>
-              </a:rPr>
-              <a:t> </a:t>
-            </a:r>
-            <a:r>
-              <a:rPr lang="pt-BR" sz="3000" dirty="0" err="1">
-                <a:solidFill>
-                  <a:schemeClr val="tx1"/>
-                </a:solidFill>
-              </a:rPr>
-              <a:t>with</a:t>
-            </a:r>
-            <a:r>
-              <a:rPr lang="pt-BR" sz="3000" dirty="0">
-                <a:solidFill>
-                  <a:schemeClr val="tx1"/>
-                </a:solidFill>
-              </a:rPr>
-              <a:t> desktop </a:t>
-            </a:r>
-            <a:r>
-              <a:rPr lang="pt-BR" sz="3000" dirty="0" err="1">
-                <a:solidFill>
-                  <a:schemeClr val="tx1"/>
-                </a:solidFill>
-              </a:rPr>
-              <a:t>publishing</a:t>
-            </a:r>
-            <a:r>
-              <a:rPr lang="pt-BR" sz="3000" dirty="0">
-                <a:solidFill>
-                  <a:schemeClr val="tx1"/>
-                </a:solidFill>
-              </a:rPr>
-              <a:t> software like </a:t>
-            </a:r>
-            <a:r>
-              <a:rPr lang="pt-BR" sz="3000" dirty="0" err="1">
-                <a:solidFill>
-                  <a:schemeClr val="tx1"/>
-                </a:solidFill>
-              </a:rPr>
-              <a:t>Aldus</a:t>
-            </a:r>
-            <a:r>
-              <a:rPr lang="pt-BR" sz="3000" dirty="0">
-                <a:solidFill>
-                  <a:schemeClr val="tx1"/>
-                </a:solidFill>
-              </a:rPr>
-              <a:t> PageMaker </a:t>
-            </a:r>
-            <a:r>
-              <a:rPr lang="pt-BR" sz="3000" dirty="0" err="1">
-                <a:solidFill>
-                  <a:schemeClr val="tx1"/>
-                </a:solidFill>
-              </a:rPr>
-              <a:t>including</a:t>
-            </a:r>
-            <a:r>
-              <a:rPr lang="pt-BR" sz="3000" dirty="0">
-                <a:solidFill>
-                  <a:schemeClr val="tx1"/>
-                </a:solidFill>
-              </a:rPr>
-              <a:t> </a:t>
-            </a:r>
-            <a:r>
-              <a:rPr lang="pt-BR" sz="3000" dirty="0" err="1">
-                <a:solidFill>
-                  <a:schemeClr val="tx1"/>
-                </a:solidFill>
-              </a:rPr>
-              <a:t>versions</a:t>
-            </a:r>
-            <a:r>
-              <a:rPr lang="pt-BR" sz="3000" dirty="0">
-                <a:solidFill>
-                  <a:schemeClr val="tx1"/>
-                </a:solidFill>
-              </a:rPr>
-              <a:t> </a:t>
-            </a:r>
-            <a:r>
-              <a:rPr lang="pt-BR" sz="3000" dirty="0" err="1">
-                <a:solidFill>
-                  <a:schemeClr val="tx1"/>
-                </a:solidFill>
-              </a:rPr>
-              <a:t>of</a:t>
-            </a:r>
-            <a:r>
-              <a:rPr lang="pt-BR" sz="3000" dirty="0">
-                <a:solidFill>
-                  <a:schemeClr val="tx1"/>
-                </a:solidFill>
-              </a:rPr>
-              <a:t> </a:t>
-            </a:r>
-            <a:r>
-              <a:rPr lang="pt-BR" sz="3000" dirty="0" err="1">
-                <a:solidFill>
-                  <a:schemeClr val="tx1"/>
-                </a:solidFill>
-              </a:rPr>
-              <a:t>Lorem</a:t>
-            </a:r>
-            <a:r>
-              <a:rPr lang="pt-BR" sz="3000" dirty="0">
-                <a:solidFill>
-                  <a:schemeClr val="tx1"/>
-                </a:solidFill>
-              </a:rPr>
-              <a:t> Ipsum.</a:t>
+              <a:t>, que representa um equilíbrio entre as duas primeiras, atingimos o valor de 95%, o que foi considerado satisfatório.</a:t>
             </a:r>
           </a:p>
           <a:p>
@@ -2991,8 +1966,8 @@
         </p:nvSpPr>
         <p:spPr>
           <a:xfrm>
-            <a:off x="16035133" y="10474898"/>
-            <a:ext cx="15576604" cy="27328326"/>
+            <a:off x="16035133" y="9966944"/>
+            <a:ext cx="15576604" cy="28701652"/>
           </a:xfrm>
           <a:prstGeom prst="rect">
             <a:avLst/>
@@ -3010,84 +1985,7 @@
           <a:p>
             <a:r>
               <a:rPr lang="pt-BR" sz="4400" b="1" dirty="0"/>
-              <a:t>Figura 1 – Análise de distribuição do </a:t>
-            </a:r>
-            <a:r>
-              <a:rPr lang="pt-BR" sz="4400" b="1" dirty="0" err="1"/>
-              <a:t>dataset</a:t>
-            </a:r>
-            <a:r>
-              <a:rPr lang="pt-BR" sz="4400" b="1" dirty="0"/>
-              <a:t>*</a:t>
-            </a:r>
-            <a:endParaRPr lang="pt-BR" dirty="0"/>
-          </a:p>
-          <a:p>
-            <a:pPr algn="just">
-              <a:spcBef>
-                <a:spcPts val="0"/>
-              </a:spcBef>
-            </a:pPr>
-            <a:endParaRPr lang="pt-BR" sz="9600" b="1" dirty="0"/>
-          </a:p>
-          <a:p>
-            <a:pPr algn="just">
-              <a:spcBef>
-                <a:spcPts val="0"/>
-              </a:spcBef>
-            </a:pPr>
-            <a:endParaRPr lang="pt-BR" sz="9600" b="1" dirty="0"/>
-          </a:p>
-          <a:p>
-            <a:pPr algn="just">
-              <a:spcBef>
-                <a:spcPts val="0"/>
-              </a:spcBef>
-            </a:pPr>
-            <a:endParaRPr lang="pt-BR" sz="9600" b="1" dirty="0"/>
-          </a:p>
-          <a:p>
-            <a:pPr algn="just">
-              <a:spcBef>
-                <a:spcPts val="0"/>
-              </a:spcBef>
-            </a:pPr>
-            <a:endParaRPr lang="pt-BR" sz="3200" b="1" dirty="0"/>
-          </a:p>
-          <a:p>
-            <a:pPr algn="just">
-              <a:spcBef>
-                <a:spcPts val="0"/>
-              </a:spcBef>
-            </a:pPr>
-            <a:r>
-              <a:rPr lang="pt-BR" sz="3200" b="1" dirty="0"/>
-              <a:t>*1.0 = fraude;</a:t>
-            </a:r>
-          </a:p>
-          <a:p>
-            <a:pPr algn="just">
-              <a:spcBef>
-                <a:spcPts val="0"/>
-              </a:spcBef>
-            </a:pPr>
-            <a:r>
-              <a:rPr lang="pt-BR" sz="3200" b="1" dirty="0"/>
-              <a:t>  0.0 = não fraude;</a:t>
-            </a:r>
-          </a:p>
-          <a:p>
-            <a:pPr algn="just">
-              <a:spcBef>
-                <a:spcPts val="0"/>
-              </a:spcBef>
-            </a:pPr>
-            <a:endParaRPr lang="pt-BR" sz="4000" b="1" dirty="0"/>
-          </a:p>
-          <a:p>
-            <a:r>
-              <a:rPr lang="pt-BR" sz="4400" b="1" dirty="0"/>
-              <a:t>Figura 2 – Análise de correlação entre os dados</a:t>
+              <a:t>Figura 1 – Análise de correlação entre os dados</a:t>
             </a:r>
             <a:endParaRPr lang="pt-BR" sz="4400" b="1" dirty="0">
               <a:ea typeface="Calibri"/>
@@ -3135,25 +2033,64 @@
             <a:endParaRPr lang="pt-BR" sz="9600" b="1" dirty="0"/>
           </a:p>
           <a:p>
-            <a:pPr algn="just"/>
-            <a:endParaRPr lang="pt-BR" sz="3000" b="1" dirty="0"/>
-          </a:p>
-          <a:p>
-            <a:pPr marL="0" marR="0" lvl="0" indent="0" algn="l" defTabSz="4320540" rtl="0" eaLnBrk="1" fontAlgn="auto" latinLnBrk="0" hangingPunct="1">
-              <a:lnSpc>
-                <a:spcPct val="100000"/>
-              </a:lnSpc>
-              <a:spcBef>
-                <a:spcPts val="0"/>
-              </a:spcBef>
-              <a:spcAft>
-                <a:spcPts val="0"/>
-              </a:spcAft>
-              <a:buClrTx/>
-              <a:buSzTx/>
-              <a:buFontTx/>
-              <a:buNone/>
-              <a:tabLst/>
+            <a:pPr lvl="0">
+              <a:defRPr/>
+            </a:pPr>
+            <a:endParaRPr kumimoji="0" lang="pt-BR" sz="4400" b="1" i="0" u="none" strike="noStrike" kern="1200" cap="none" spc="0" normalizeH="0" baseline="0" noProof="0" dirty="0">
+              <a:ln>
+                <a:noFill/>
+              </a:ln>
+              <a:solidFill>
+                <a:prstClr val="black"/>
+              </a:solidFill>
+              <a:effectLst/>
+              <a:uLnTx/>
+              <a:uFillTx/>
+              <a:latin typeface="Calibri"/>
+              <a:ea typeface="+mn-ea"/>
+              <a:cs typeface="+mn-cs"/>
+            </a:endParaRPr>
+          </a:p>
+          <a:p>
+            <a:pPr lvl="0">
+              <a:defRPr/>
+            </a:pPr>
+            <a:endParaRPr kumimoji="0" lang="pt-BR" sz="4400" b="1" i="0" u="none" strike="noStrike" kern="1200" cap="none" spc="0" normalizeH="0" baseline="0" noProof="0" dirty="0">
+              <a:ln>
+                <a:noFill/>
+              </a:ln>
+              <a:solidFill>
+                <a:prstClr val="black"/>
+              </a:solidFill>
+              <a:effectLst/>
+              <a:uLnTx/>
+              <a:uFillTx/>
+              <a:latin typeface="Calibri"/>
+              <a:ea typeface="+mn-ea"/>
+              <a:cs typeface="+mn-cs"/>
+            </a:endParaRPr>
+          </a:p>
+          <a:p>
+            <a:pPr lvl="0">
+              <a:defRPr/>
+            </a:pPr>
+            <a:endParaRPr kumimoji="0" lang="pt-BR" sz="4400" b="1" i="0" u="none" strike="noStrike" kern="1200" cap="none" spc="0" normalizeH="0" baseline="0" noProof="0" dirty="0">
+              <a:ln>
+                <a:noFill/>
+              </a:ln>
+              <a:solidFill>
+                <a:prstClr val="black"/>
+              </a:solidFill>
+              <a:effectLst/>
+              <a:uLnTx/>
+              <a:uFillTx/>
+              <a:latin typeface="Calibri"/>
+              <a:ea typeface="+mn-ea"/>
+              <a:cs typeface="+mn-cs"/>
+            </a:endParaRPr>
+          </a:p>
+          <a:p>
+            <a:pPr lvl="0">
               <a:defRPr/>
             </a:pPr>
             <a:r>
@@ -3171,7 +2108,11 @@
                 <a:ea typeface="+mn-ea"/>
                 <a:cs typeface="+mn-cs"/>
               </a:rPr>
-              <a:t>Figura 3 – Mapa de calor com as previsões do modelo treinado</a:t>
+              <a:t>Figura 2 – Mapa de calor</a:t>
+            </a:r>
+            <a:r>
+              <a:rPr lang="pt-BR" sz="4400" b="1" dirty="0"/>
+              <a:t> das precisões das previsões</a:t>
             </a:r>
             <a:endParaRPr kumimoji="0" lang="pt-BR" sz="4400" b="1" i="0" u="none" strike="noStrike" kern="1200" cap="none" spc="0" normalizeH="0" baseline="0" noProof="0" dirty="0">
               <a:ln>
@@ -3242,577 +2183,100 @@
                 <a:spcPts val="0"/>
               </a:spcBef>
             </a:pPr>
-            <a:r>
-              <a:rPr lang="pt-BR" sz="6600" b="1" dirty="0"/>
+            <a:endParaRPr lang="pt-BR" sz="6600" b="1" dirty="0"/>
+          </a:p>
+          <a:p>
+            <a:pPr algn="just">
+              <a:spcBef>
+                <a:spcPts val="0"/>
+              </a:spcBef>
+            </a:pPr>
+            <a:endParaRPr lang="pt-BR" sz="6600" b="1" dirty="0"/>
+          </a:p>
+          <a:p>
+            <a:pPr algn="just">
+              <a:spcBef>
+                <a:spcPts val="0"/>
+              </a:spcBef>
+            </a:pPr>
+            <a:endParaRPr lang="pt-BR" sz="3200" b="1" dirty="0"/>
+          </a:p>
+          <a:p>
+            <a:pPr algn="just">
+              <a:spcBef>
+                <a:spcPts val="0"/>
+              </a:spcBef>
+            </a:pPr>
+            <a:endParaRPr lang="pt-BR" sz="3200" b="1" dirty="0"/>
+          </a:p>
+          <a:p>
+            <a:pPr algn="just">
+              <a:spcBef>
+                <a:spcPts val="0"/>
+              </a:spcBef>
+            </a:pPr>
+            <a:r>
+              <a:rPr lang="pt-BR" sz="5800" b="1" dirty="0"/>
               <a:t>CONCLUSÃO</a:t>
             </a:r>
-            <a:endParaRPr lang="pt-BR" sz="9600" b="1" dirty="0"/>
+          </a:p>
+          <a:p>
+            <a:pPr algn="just">
+              <a:spcBef>
+                <a:spcPts val="0"/>
+              </a:spcBef>
+            </a:pPr>
+            <a:r>
+              <a:rPr lang="pt-BR" sz="3000" dirty="0"/>
+              <a:t>O modelo treinado atingiu níveis de acerto altos, sendo considerado, então, robusto e eficiente para os dados utilizados. Nos casos não desejados, temos: o i) falso positivo; e </a:t>
+            </a:r>
+            <a:r>
+              <a:rPr lang="pt-BR" sz="3000" dirty="0" err="1"/>
+              <a:t>ii</a:t>
+            </a:r>
+            <a:r>
+              <a:rPr lang="pt-BR" sz="3000" dirty="0"/>
+              <a:t>) falsos negativos. Para o primeiro (false-</a:t>
+            </a:r>
+            <a:r>
+              <a:rPr lang="pt-BR" sz="3000" dirty="0" err="1"/>
+              <a:t>true</a:t>
+            </a:r>
+            <a:r>
+              <a:rPr lang="pt-BR" sz="3000" dirty="0"/>
+              <a:t>), apesar de inconveniente, tem-se como tolerável do ponto de vista de segurança, visto que mantém a integridade financeira do cliente e é possível realizar uma nova transação. Já ao prestigiarmos mais a precisão nos casos de positivo-positivo (</a:t>
+            </a:r>
+            <a:r>
+              <a:rPr lang="pt-BR" sz="3000" dirty="0" err="1"/>
+              <a:t>true-true</a:t>
+            </a:r>
+            <a:r>
+              <a:rPr lang="pt-BR" sz="3000" dirty="0"/>
+              <a:t>), limitamos drasticamente a ocorrência de falsos negativos (</a:t>
+            </a:r>
+            <a:r>
+              <a:rPr lang="pt-BR" sz="3000" dirty="0" err="1"/>
+              <a:t>true</a:t>
+            </a:r>
+            <a:r>
+              <a:rPr lang="pt-BR" sz="3000" dirty="0"/>
+              <a:t>-false), a um percentual de apenas 2,81%, sendo este o caso mais indesejado, visto que um modelo mal dimensionado não perceberia ocorrências de fraudes efetivas o que poderia gerar prejuízos ao cliente.</a:t>
+            </a:r>
           </a:p>
           <a:p>
             <a:pPr algn="just"/>
             <a:r>
-              <a:rPr lang="pt-BR" sz="3000" dirty="0" err="1"/>
-              <a:t>Lorem</a:t>
-            </a:r>
-            <a:r>
               <a:rPr lang="pt-BR" sz="3000" dirty="0"/>
-              <a:t> Ipsum </a:t>
-            </a:r>
-            <a:r>
-              <a:rPr lang="pt-BR" sz="3000" dirty="0" err="1"/>
-              <a:t>is</a:t>
+              <a:t>Em conclusão, percebe-se que o aprendizado de máquina pode ser um aliado valioso na luta contra fraudes bancárias e financeiras, capaz de criar modelos preditivos confiáveis para a automatização de análises. Mais ainda, viu-se que existem diversas técnicas de redes neurais capazes de sustentarem o </a:t>
+            </a:r>
+            <a:r>
+              <a:rPr lang="pt-BR" sz="3000" i="1" dirty="0"/>
+              <a:t>machine learning</a:t>
             </a:r>
             <a:r>
               <a:rPr lang="pt-BR" sz="3000" dirty="0"/>
-              <a:t> </a:t>
-            </a:r>
-            <a:r>
-              <a:rPr lang="pt-BR" sz="3000" dirty="0" err="1"/>
-              <a:t>simply</a:t>
-            </a:r>
-            <a:r>
-              <a:rPr lang="pt-BR" sz="3000" dirty="0"/>
-              <a:t> </a:t>
-            </a:r>
-            <a:r>
-              <a:rPr lang="pt-BR" sz="3000" dirty="0" err="1"/>
-              <a:t>dummy</a:t>
-            </a:r>
-            <a:r>
-              <a:rPr lang="pt-BR" sz="3000" dirty="0"/>
-              <a:t> </a:t>
-            </a:r>
-            <a:r>
-              <a:rPr lang="pt-BR" sz="3000" dirty="0" err="1"/>
-              <a:t>text</a:t>
-            </a:r>
-            <a:r>
-              <a:rPr lang="pt-BR" sz="3000" dirty="0"/>
-              <a:t> </a:t>
-            </a:r>
-            <a:r>
-              <a:rPr lang="pt-BR" sz="3000" dirty="0" err="1"/>
-              <a:t>of</a:t>
-            </a:r>
-            <a:r>
-              <a:rPr lang="pt-BR" sz="3000" dirty="0"/>
-              <a:t> </a:t>
-            </a:r>
-            <a:r>
-              <a:rPr lang="pt-BR" sz="3000" dirty="0" err="1"/>
-              <a:t>the</a:t>
-            </a:r>
-            <a:r>
-              <a:rPr lang="pt-BR" sz="3000" dirty="0"/>
-              <a:t> </a:t>
-            </a:r>
-            <a:r>
-              <a:rPr lang="pt-BR" sz="3000" dirty="0" err="1"/>
-              <a:t>printing</a:t>
-            </a:r>
-            <a:r>
-              <a:rPr lang="pt-BR" sz="3000" dirty="0"/>
-              <a:t> </a:t>
-            </a:r>
-            <a:r>
-              <a:rPr lang="pt-BR" sz="3000" dirty="0" err="1"/>
-              <a:t>and</a:t>
-            </a:r>
-            <a:r>
-              <a:rPr lang="pt-BR" sz="3000" dirty="0"/>
-              <a:t> </a:t>
-            </a:r>
-            <a:r>
-              <a:rPr lang="pt-BR" sz="3000" dirty="0" err="1"/>
-              <a:t>typesetting</a:t>
-            </a:r>
-            <a:r>
-              <a:rPr lang="pt-BR" sz="3000" dirty="0"/>
-              <a:t> </a:t>
-            </a:r>
-            <a:r>
-              <a:rPr lang="pt-BR" sz="3000" dirty="0" err="1"/>
-              <a:t>industry</a:t>
-            </a:r>
-            <a:r>
-              <a:rPr lang="pt-BR" sz="3000" dirty="0"/>
-              <a:t>. </a:t>
-            </a:r>
-            <a:r>
-              <a:rPr lang="pt-BR" sz="3000" dirty="0" err="1"/>
-              <a:t>Lorem</a:t>
-            </a:r>
-            <a:r>
-              <a:rPr lang="pt-BR" sz="3000" dirty="0"/>
-              <a:t> Ipsum </a:t>
-            </a:r>
-            <a:r>
-              <a:rPr lang="pt-BR" sz="3000" dirty="0" err="1"/>
-              <a:t>has</a:t>
-            </a:r>
-            <a:r>
-              <a:rPr lang="pt-BR" sz="3000" dirty="0"/>
-              <a:t> </a:t>
-            </a:r>
-            <a:r>
-              <a:rPr lang="pt-BR" sz="3000" dirty="0" err="1"/>
-              <a:t>been</a:t>
-            </a:r>
-            <a:r>
-              <a:rPr lang="pt-BR" sz="3000" dirty="0"/>
-              <a:t> </a:t>
-            </a:r>
-            <a:r>
-              <a:rPr lang="pt-BR" sz="3000" dirty="0" err="1"/>
-              <a:t>the</a:t>
-            </a:r>
-            <a:r>
-              <a:rPr lang="pt-BR" sz="3000" dirty="0"/>
-              <a:t> </a:t>
-            </a:r>
-            <a:r>
-              <a:rPr lang="pt-BR" sz="3000" dirty="0" err="1"/>
-              <a:t>industry's</a:t>
-            </a:r>
-            <a:r>
-              <a:rPr lang="pt-BR" sz="3000" dirty="0"/>
-              <a:t> standard </a:t>
-            </a:r>
-            <a:r>
-              <a:rPr lang="pt-BR" sz="3000" dirty="0" err="1"/>
-              <a:t>dummy</a:t>
-            </a:r>
-            <a:r>
-              <a:rPr lang="pt-BR" sz="3000" dirty="0"/>
-              <a:t> </a:t>
-            </a:r>
-            <a:r>
-              <a:rPr lang="pt-BR" sz="3000" dirty="0" err="1"/>
-              <a:t>text</a:t>
-            </a:r>
-            <a:r>
-              <a:rPr lang="pt-BR" sz="3000" dirty="0"/>
-              <a:t> </a:t>
-            </a:r>
-            <a:r>
-              <a:rPr lang="pt-BR" sz="3000" dirty="0" err="1"/>
-              <a:t>ever</a:t>
-            </a:r>
-            <a:r>
-              <a:rPr lang="pt-BR" sz="3000" dirty="0"/>
-              <a:t> </a:t>
-            </a:r>
-            <a:r>
-              <a:rPr lang="pt-BR" sz="3000" dirty="0" err="1"/>
-              <a:t>since</a:t>
-            </a:r>
-            <a:r>
-              <a:rPr lang="pt-BR" sz="3000" dirty="0"/>
-              <a:t> </a:t>
-            </a:r>
-            <a:r>
-              <a:rPr lang="pt-BR" sz="3000" dirty="0" err="1"/>
-              <a:t>the</a:t>
-            </a:r>
-            <a:r>
-              <a:rPr lang="pt-BR" sz="3000" dirty="0"/>
-              <a:t> 1500s, </a:t>
-            </a:r>
-            <a:r>
-              <a:rPr lang="pt-BR" sz="3000" dirty="0" err="1"/>
-              <a:t>when</a:t>
-            </a:r>
-            <a:r>
-              <a:rPr lang="pt-BR" sz="3000" dirty="0"/>
-              <a:t> </a:t>
-            </a:r>
-            <a:r>
-              <a:rPr lang="pt-BR" sz="3000" dirty="0" err="1"/>
-              <a:t>an</a:t>
-            </a:r>
-            <a:r>
-              <a:rPr lang="pt-BR" sz="3000" dirty="0"/>
-              <a:t> </a:t>
-            </a:r>
-            <a:r>
-              <a:rPr lang="pt-BR" sz="3000" dirty="0" err="1"/>
-              <a:t>unknown</a:t>
-            </a:r>
-            <a:r>
-              <a:rPr lang="pt-BR" sz="3000" dirty="0"/>
-              <a:t> </a:t>
-            </a:r>
-            <a:r>
-              <a:rPr lang="pt-BR" sz="3000" dirty="0" err="1"/>
-              <a:t>printer</a:t>
-            </a:r>
-            <a:r>
-              <a:rPr lang="pt-BR" sz="3000" dirty="0"/>
-              <a:t> </a:t>
-            </a:r>
-            <a:r>
-              <a:rPr lang="pt-BR" sz="3000" dirty="0" err="1"/>
-              <a:t>took</a:t>
-            </a:r>
-            <a:r>
-              <a:rPr lang="pt-BR" sz="3000" dirty="0"/>
-              <a:t> a </a:t>
-            </a:r>
-            <a:r>
-              <a:rPr lang="pt-BR" sz="3000" dirty="0" err="1"/>
-              <a:t>galley</a:t>
-            </a:r>
-            <a:r>
-              <a:rPr lang="pt-BR" sz="3000" dirty="0"/>
-              <a:t> </a:t>
-            </a:r>
-            <a:r>
-              <a:rPr lang="pt-BR" sz="3000" dirty="0" err="1"/>
-              <a:t>of</a:t>
-            </a:r>
-            <a:r>
-              <a:rPr lang="pt-BR" sz="3000" dirty="0"/>
-              <a:t> </a:t>
-            </a:r>
-            <a:r>
-              <a:rPr lang="pt-BR" sz="3000" dirty="0" err="1"/>
-              <a:t>type</a:t>
-            </a:r>
-            <a:r>
-              <a:rPr lang="pt-BR" sz="3000" dirty="0"/>
-              <a:t> </a:t>
-            </a:r>
-            <a:r>
-              <a:rPr lang="pt-BR" sz="3000" dirty="0" err="1"/>
-              <a:t>and</a:t>
-            </a:r>
-            <a:r>
-              <a:rPr lang="pt-BR" sz="3000" dirty="0"/>
-              <a:t> </a:t>
-            </a:r>
-            <a:r>
-              <a:rPr lang="pt-BR" sz="3000" dirty="0" err="1"/>
-              <a:t>scrambled</a:t>
-            </a:r>
-            <a:r>
-              <a:rPr lang="pt-BR" sz="3000" dirty="0"/>
-              <a:t> it </a:t>
-            </a:r>
-            <a:r>
-              <a:rPr lang="pt-BR" sz="3000" dirty="0" err="1"/>
-              <a:t>to</a:t>
-            </a:r>
-            <a:r>
-              <a:rPr lang="pt-BR" sz="3000" dirty="0"/>
-              <a:t> make a </a:t>
-            </a:r>
-            <a:r>
-              <a:rPr lang="pt-BR" sz="3000" dirty="0" err="1"/>
-              <a:t>type</a:t>
-            </a:r>
-            <a:r>
-              <a:rPr lang="pt-BR" sz="3000" dirty="0"/>
-              <a:t> </a:t>
-            </a:r>
-            <a:r>
-              <a:rPr lang="pt-BR" sz="3000" dirty="0" err="1"/>
-              <a:t>specimen</a:t>
-            </a:r>
-            <a:r>
-              <a:rPr lang="pt-BR" sz="3000" dirty="0"/>
-              <a:t> book. It </a:t>
-            </a:r>
-            <a:r>
-              <a:rPr lang="pt-BR" sz="3000" dirty="0" err="1"/>
-              <a:t>has</a:t>
-            </a:r>
-            <a:r>
-              <a:rPr lang="pt-BR" sz="3000" dirty="0"/>
-              <a:t> </a:t>
-            </a:r>
-            <a:r>
-              <a:rPr lang="pt-BR" sz="3000" dirty="0" err="1"/>
-              <a:t>survived</a:t>
-            </a:r>
-            <a:r>
-              <a:rPr lang="pt-BR" sz="3000" dirty="0"/>
-              <a:t> </a:t>
-            </a:r>
-            <a:r>
-              <a:rPr lang="pt-BR" sz="3000" dirty="0" err="1"/>
-              <a:t>not</a:t>
-            </a:r>
-            <a:r>
-              <a:rPr lang="pt-BR" sz="3000" dirty="0"/>
-              <a:t> </a:t>
-            </a:r>
-            <a:r>
-              <a:rPr lang="pt-BR" sz="3000" dirty="0" err="1"/>
-              <a:t>only</a:t>
-            </a:r>
-            <a:r>
-              <a:rPr lang="pt-BR" sz="3000" dirty="0"/>
-              <a:t> </a:t>
-            </a:r>
-            <a:r>
-              <a:rPr lang="pt-BR" sz="3000" dirty="0" err="1"/>
-              <a:t>five</a:t>
-            </a:r>
-            <a:r>
-              <a:rPr lang="pt-BR" sz="3000" dirty="0"/>
-              <a:t> </a:t>
-            </a:r>
-            <a:r>
-              <a:rPr lang="pt-BR" sz="3000" dirty="0" err="1"/>
-              <a:t>centuries</a:t>
-            </a:r>
-            <a:r>
-              <a:rPr lang="pt-BR" sz="3000" dirty="0"/>
-              <a:t>, </a:t>
-            </a:r>
-            <a:r>
-              <a:rPr lang="pt-BR" sz="3000" dirty="0" err="1"/>
-              <a:t>but</a:t>
-            </a:r>
-            <a:r>
-              <a:rPr lang="pt-BR" sz="3000" dirty="0"/>
-              <a:t> </a:t>
-            </a:r>
-            <a:r>
-              <a:rPr lang="pt-BR" sz="3000" dirty="0" err="1"/>
-              <a:t>also</a:t>
-            </a:r>
-            <a:r>
-              <a:rPr lang="pt-BR" sz="3000" dirty="0"/>
-              <a:t> </a:t>
-            </a:r>
-            <a:r>
-              <a:rPr lang="pt-BR" sz="3000" dirty="0" err="1"/>
-              <a:t>the</a:t>
-            </a:r>
-            <a:r>
-              <a:rPr lang="pt-BR" sz="3000" dirty="0"/>
-              <a:t> </a:t>
-            </a:r>
-            <a:r>
-              <a:rPr lang="pt-BR" sz="3000" dirty="0" err="1"/>
-              <a:t>leap</a:t>
-            </a:r>
-            <a:r>
-              <a:rPr lang="pt-BR" sz="3000" dirty="0"/>
-              <a:t> </a:t>
-            </a:r>
-            <a:r>
-              <a:rPr lang="pt-BR" sz="3000" dirty="0" err="1"/>
-              <a:t>into</a:t>
-            </a:r>
-            <a:r>
-              <a:rPr lang="pt-BR" sz="3000" dirty="0"/>
-              <a:t> </a:t>
-            </a:r>
-            <a:r>
-              <a:rPr lang="pt-BR" sz="3000" dirty="0" err="1"/>
-              <a:t>electronic</a:t>
-            </a:r>
-            <a:r>
-              <a:rPr lang="pt-BR" sz="3000" dirty="0"/>
-              <a:t> </a:t>
-            </a:r>
-            <a:r>
-              <a:rPr lang="pt-BR" sz="3000" dirty="0" err="1"/>
-              <a:t>typesetting</a:t>
-            </a:r>
-            <a:r>
-              <a:rPr lang="pt-BR" sz="3000" dirty="0"/>
-              <a:t>, </a:t>
-            </a:r>
-            <a:r>
-              <a:rPr lang="pt-BR" sz="3000" dirty="0" err="1"/>
-              <a:t>remaining</a:t>
-            </a:r>
-            <a:r>
-              <a:rPr lang="pt-BR" sz="3000" dirty="0"/>
-              <a:t> </a:t>
-            </a:r>
-            <a:r>
-              <a:rPr lang="pt-BR" sz="3000" dirty="0" err="1"/>
-              <a:t>essentially</a:t>
-            </a:r>
-            <a:r>
-              <a:rPr lang="pt-BR" sz="3000" dirty="0"/>
-              <a:t> </a:t>
-            </a:r>
-            <a:r>
-              <a:rPr lang="pt-BR" sz="3000" dirty="0" err="1"/>
-              <a:t>unchanged</a:t>
-            </a:r>
-            <a:r>
-              <a:rPr lang="pt-BR" sz="3000" dirty="0"/>
-              <a:t>. It </a:t>
-            </a:r>
-            <a:r>
-              <a:rPr lang="pt-BR" sz="3000" dirty="0" err="1"/>
-              <a:t>was</a:t>
-            </a:r>
-            <a:r>
-              <a:rPr lang="pt-BR" sz="3000" dirty="0"/>
-              <a:t> </a:t>
-            </a:r>
-            <a:r>
-              <a:rPr lang="pt-BR" sz="3000" dirty="0" err="1"/>
-              <a:t>popularised</a:t>
-            </a:r>
-            <a:r>
-              <a:rPr lang="pt-BR" sz="3000" dirty="0"/>
-              <a:t> in </a:t>
-            </a:r>
-            <a:r>
-              <a:rPr lang="pt-BR" sz="3000" dirty="0" err="1"/>
-              <a:t>the</a:t>
-            </a:r>
-            <a:r>
-              <a:rPr lang="pt-BR" sz="3000" dirty="0"/>
-              <a:t> 1960s </a:t>
-            </a:r>
-            <a:r>
-              <a:rPr lang="pt-BR" sz="3000" dirty="0" err="1"/>
-              <a:t>with</a:t>
-            </a:r>
-            <a:r>
-              <a:rPr lang="pt-BR" sz="3000" dirty="0"/>
-              <a:t> </a:t>
-            </a:r>
-            <a:r>
-              <a:rPr lang="pt-BR" sz="3000" dirty="0" err="1"/>
-              <a:t>the</a:t>
-            </a:r>
-            <a:r>
-              <a:rPr lang="pt-BR" sz="3000" dirty="0"/>
-              <a:t> release </a:t>
-            </a:r>
-            <a:r>
-              <a:rPr lang="pt-BR" sz="3000" dirty="0" err="1"/>
-              <a:t>of</a:t>
-            </a:r>
-            <a:r>
-              <a:rPr lang="pt-BR" sz="3000" dirty="0"/>
-              <a:t> </a:t>
-            </a:r>
-            <a:r>
-              <a:rPr lang="pt-BR" sz="3000" dirty="0" err="1"/>
-              <a:t>Letraset</a:t>
-            </a:r>
-            <a:r>
-              <a:rPr lang="pt-BR" sz="3000" dirty="0"/>
-              <a:t> </a:t>
-            </a:r>
-            <a:r>
-              <a:rPr lang="pt-BR" sz="3000" dirty="0" err="1"/>
-              <a:t>sheets</a:t>
-            </a:r>
-            <a:r>
-              <a:rPr lang="pt-BR" sz="3000" dirty="0"/>
-              <a:t> </a:t>
-            </a:r>
-            <a:r>
-              <a:rPr lang="pt-BR" sz="3000" dirty="0" err="1"/>
-              <a:t>containing</a:t>
-            </a:r>
-            <a:r>
-              <a:rPr lang="pt-BR" sz="3000" dirty="0"/>
-              <a:t> </a:t>
-            </a:r>
-            <a:r>
-              <a:rPr lang="pt-BR" sz="3000" dirty="0" err="1"/>
-              <a:t>Lorem</a:t>
-            </a:r>
-            <a:r>
-              <a:rPr lang="pt-BR" sz="3000" dirty="0"/>
-              <a:t> Ipsum </a:t>
-            </a:r>
-            <a:r>
-              <a:rPr lang="pt-BR" sz="3000" dirty="0" err="1"/>
-              <a:t>passages</a:t>
-            </a:r>
-            <a:r>
-              <a:rPr lang="pt-BR" sz="3000" dirty="0"/>
-              <a:t>, </a:t>
-            </a:r>
-            <a:r>
-              <a:rPr lang="pt-BR" sz="3000" dirty="0" err="1"/>
-              <a:t>and</a:t>
-            </a:r>
-            <a:r>
-              <a:rPr lang="pt-BR" sz="3000" dirty="0"/>
-              <a:t> more </a:t>
-            </a:r>
-            <a:r>
-              <a:rPr lang="pt-BR" sz="3000" dirty="0" err="1"/>
-              <a:t>recently</a:t>
-            </a:r>
-            <a:r>
-              <a:rPr lang="pt-BR" sz="3000" dirty="0"/>
-              <a:t> </a:t>
-            </a:r>
-            <a:r>
-              <a:rPr lang="pt-BR" sz="3000" dirty="0" err="1"/>
-              <a:t>with</a:t>
-            </a:r>
-            <a:r>
-              <a:rPr lang="pt-BR" sz="3000" dirty="0"/>
-              <a:t> desktop </a:t>
-            </a:r>
-            <a:r>
-              <a:rPr lang="pt-BR" sz="3000" dirty="0" err="1"/>
-              <a:t>publishing</a:t>
-            </a:r>
-            <a:r>
-              <a:rPr lang="pt-BR" sz="3000" dirty="0"/>
-              <a:t> software like </a:t>
-            </a:r>
-            <a:r>
-              <a:rPr lang="pt-BR" sz="3000" dirty="0" err="1"/>
-              <a:t>Aldus</a:t>
-            </a:r>
-            <a:r>
-              <a:rPr lang="pt-BR" sz="3000" dirty="0"/>
-              <a:t> PageMaker </a:t>
-            </a:r>
-            <a:r>
-              <a:rPr lang="pt-BR" sz="3000" dirty="0" err="1"/>
-              <a:t>including</a:t>
-            </a:r>
-            <a:r>
-              <a:rPr lang="pt-BR" sz="3000" dirty="0"/>
-              <a:t> </a:t>
-            </a:r>
-            <a:r>
-              <a:rPr lang="pt-BR" sz="3000" dirty="0" err="1"/>
-              <a:t>versions</a:t>
-            </a:r>
-            <a:r>
-              <a:rPr lang="pt-BR" sz="3000" dirty="0"/>
-              <a:t> </a:t>
-            </a:r>
-            <a:r>
-              <a:rPr lang="pt-BR" sz="3000" dirty="0" err="1"/>
-              <a:t>of</a:t>
-            </a:r>
-            <a:r>
-              <a:rPr lang="pt-BR" sz="3000" dirty="0"/>
-              <a:t> </a:t>
-            </a:r>
-            <a:r>
-              <a:rPr lang="pt-BR" sz="3000" dirty="0" err="1"/>
-              <a:t>Lorem</a:t>
-            </a:r>
-            <a:r>
-              <a:rPr lang="pt-BR" sz="3000" dirty="0"/>
-              <a:t> Ipsum.</a:t>
-            </a:r>
-          </a:p>
-          <a:p>
-            <a:endParaRPr lang="pt-BR" sz="2800" dirty="0"/>
+              <a:t> e que a qualidade dos modelos treinados progridem à medida que o entendimento sobre o caso e o domínio sobre os dados utilizados avançam. Também é interessante, se possível, a realização de diversas rodadas de treinamento, no intuito de testar diferentes parâmetros e ajustes na tentativa de obter o melhor modelo previsor possível.</a:t>
+            </a:r>
           </a:p>
         </p:txBody>
       </p:sp>
@@ -3952,8 +2416,8 @@
         </p:nvSpPr>
         <p:spPr>
           <a:xfrm>
-            <a:off x="861805" y="38308556"/>
-            <a:ext cx="30749932" cy="4103180"/>
+            <a:off x="861805" y="38668596"/>
+            <a:ext cx="30749932" cy="3743140"/>
           </a:xfrm>
           <a:prstGeom prst="rect">
             <a:avLst/>
@@ -4128,7 +2592,7 @@
               </a:spcBef>
             </a:pPr>
             <a:r>
-              <a:rPr lang="pt-BR" sz="6600" b="1" dirty="0">
+              <a:rPr lang="pt-BR" sz="4000" b="1" dirty="0">
                 <a:solidFill>
                   <a:schemeClr val="tx1"/>
                 </a:solidFill>
@@ -4267,7 +2731,7 @@
                   <a:schemeClr val="tx1"/>
                 </a:solidFill>
               </a:rPr>
-              <a:t>. , 7 maio 2022. . Acesso em: 31 out. 2025. Disponível em: &lt;https://www.kaggle.com/</a:t>
+              <a:t>. , 7 maio 2022. Acesso em: 31 out. 2025. Disponível em: &lt;https://www.kaggle.com/</a:t>
             </a:r>
             <a:r>
               <a:rPr lang="pt-BR" sz="3200" b="1" dirty="0" err="1">
@@ -4398,10 +2862,10 @@
       </p:pic>
       <p:pic>
         <p:nvPicPr>
-          <p:cNvPr id="18" name="Imagem 17">
+          <p:cNvPr id="22" name="Imagem 21">
             <a:extLst>
               <a:ext uri="{FF2B5EF4-FFF2-40B4-BE49-F238E27FC236}">
-                <a16:creationId xmlns:a16="http://schemas.microsoft.com/office/drawing/2014/main" id="{5B391E2B-9CEB-2EDC-14C4-6DB1450C26E2}"/>
+                <a16:creationId xmlns:a16="http://schemas.microsoft.com/office/drawing/2014/main" id="{3B131088-CD7A-697D-0EAD-27D0593820F0}"/>
               </a:ext>
             </a:extLst>
           </p:cNvPr>
@@ -4418,8 +2882,8 @@
         </p:blipFill>
         <p:spPr>
           <a:xfrm>
-            <a:off x="17145016" y="18597114"/>
-            <a:ext cx="8717078" cy="7537141"/>
+            <a:off x="16431757" y="11233548"/>
+            <a:ext cx="13604280" cy="7200800"/>
           </a:xfrm>
           <a:prstGeom prst="rect">
             <a:avLst/>
@@ -4428,10 +2892,10 @@
       </p:pic>
       <p:pic>
         <p:nvPicPr>
-          <p:cNvPr id="8" name="Imagem 7">
+          <p:cNvPr id="24" name="Imagem 23">
             <a:extLst>
               <a:ext uri="{FF2B5EF4-FFF2-40B4-BE49-F238E27FC236}">
-                <a16:creationId xmlns:a16="http://schemas.microsoft.com/office/drawing/2014/main" id="{D1C57ACE-018A-A386-57B3-8123449F9218}"/>
+                <a16:creationId xmlns:a16="http://schemas.microsoft.com/office/drawing/2014/main" id="{822B44DE-A585-14DD-332D-21C8284E2B9E}"/>
               </a:ext>
             </a:extLst>
           </p:cNvPr>
@@ -4448,68 +2912,8 @@
         </p:blipFill>
         <p:spPr>
           <a:xfrm>
-            <a:off x="16878125" y="11815819"/>
-            <a:ext cx="2636267" cy="2514073"/>
-          </a:xfrm>
-          <a:prstGeom prst="rect">
-            <a:avLst/>
-          </a:prstGeom>
-        </p:spPr>
-      </p:pic>
-      <p:pic>
-        <p:nvPicPr>
-          <p:cNvPr id="12" name="Imagem 11">
-            <a:extLst>
-              <a:ext uri="{FF2B5EF4-FFF2-40B4-BE49-F238E27FC236}">
-                <a16:creationId xmlns:a16="http://schemas.microsoft.com/office/drawing/2014/main" id="{5A4CE893-9CD4-F7FE-B075-813F7EF22821}"/>
-              </a:ext>
-            </a:extLst>
-          </p:cNvPr>
-          <p:cNvPicPr>
-            <a:picLocks noChangeAspect="1"/>
-          </p:cNvPicPr>
-          <p:nvPr/>
-        </p:nvPicPr>
-        <p:blipFill>
-          <a:blip r:embed="rId6"/>
-          <a:stretch>
-            <a:fillRect/>
-          </a:stretch>
-        </p:blipFill>
-        <p:spPr>
-          <a:xfrm>
-            <a:off x="19909165" y="11372277"/>
-            <a:ext cx="6506243" cy="6215785"/>
-          </a:xfrm>
-          <a:prstGeom prst="rect">
-            <a:avLst/>
-          </a:prstGeom>
-        </p:spPr>
-      </p:pic>
-      <p:pic>
-        <p:nvPicPr>
-          <p:cNvPr id="16" name="Imagem 15">
-            <a:extLst>
-              <a:ext uri="{FF2B5EF4-FFF2-40B4-BE49-F238E27FC236}">
-                <a16:creationId xmlns:a16="http://schemas.microsoft.com/office/drawing/2014/main" id="{D3661822-4FE6-4F5E-91A5-A6CABDDC8627}"/>
-              </a:ext>
-            </a:extLst>
-          </p:cNvPr>
-          <p:cNvPicPr>
-            <a:picLocks noChangeAspect="1"/>
-          </p:cNvPicPr>
-          <p:nvPr/>
-        </p:nvPicPr>
-        <p:blipFill>
-          <a:blip r:embed="rId7"/>
-          <a:stretch>
-            <a:fillRect/>
-          </a:stretch>
-        </p:blipFill>
-        <p:spPr>
-          <a:xfrm>
-            <a:off x="19226361" y="27125030"/>
-            <a:ext cx="7452634" cy="5980673"/>
+            <a:off x="18362265" y="21156170"/>
+            <a:ext cx="9533115" cy="8197035"/>
           </a:xfrm>
           <a:prstGeom prst="rect">
             <a:avLst/>
